--- a/Chapter4/FlowDiagram_1.pptx
+++ b/Chapter4/FlowDiagram_1.pptx
@@ -2,12 +2,13 @@
 <file path=ppt/presentation.xml><?xml version="1.0" encoding="utf-8"?>
 <p:presentation xmlns:a="http://schemas.openxmlformats.org/drawingml/2006/main" xmlns:r="http://schemas.openxmlformats.org/officeDocument/2006/relationships" xmlns:p="http://schemas.openxmlformats.org/presentationml/2006/main" saveSubsetFonts="1">
   <p:sldMasterIdLst>
-    <p:sldMasterId id="2147483708" r:id="rId1"/>
+    <p:sldMasterId id="2147483720" r:id="rId1"/>
   </p:sldMasterIdLst>
   <p:sldIdLst>
     <p:sldId id="257" r:id="rId2"/>
+    <p:sldId id="258" r:id="rId3"/>
   </p:sldIdLst>
-  <p:sldSz cx="5759450" cy="6480175"/>
+  <p:sldSz cx="5759450" cy="10799763"/>
   <p:notesSz cx="6858000" cy="9144000"/>
   <p:defaultTextStyle>
     <a:defPPr>
@@ -141,8 +142,8 @@
         </p:nvSpPr>
         <p:spPr>
           <a:xfrm>
-            <a:off x="431959" y="1060529"/>
-            <a:ext cx="4895533" cy="2256061"/>
+            <a:off x="431959" y="1767462"/>
+            <a:ext cx="4895533" cy="3759917"/>
           </a:xfrm>
         </p:spPr>
         <p:txBody>
@@ -173,8 +174,8 @@
         </p:nvSpPr>
         <p:spPr>
           <a:xfrm>
-            <a:off x="719931" y="3403592"/>
-            <a:ext cx="4319588" cy="1564542"/>
+            <a:off x="719931" y="5672376"/>
+            <a:ext cx="4319588" cy="2607442"/>
           </a:xfrm>
         </p:spPr>
         <p:txBody>
@@ -294,7 +295,7 @@
     </p:spTree>
     <p:extLst>
       <p:ext uri="{BB962C8B-B14F-4D97-AF65-F5344CB8AC3E}">
-        <p14:creationId xmlns:p14="http://schemas.microsoft.com/office/powerpoint/2010/main" val="3796096795"/>
+        <p14:creationId xmlns:p14="http://schemas.microsoft.com/office/powerpoint/2010/main" val="361936169"/>
       </p:ext>
     </p:extLst>
   </p:cSld>
@@ -464,7 +465,7 @@
     </p:spTree>
     <p:extLst>
       <p:ext uri="{BB962C8B-B14F-4D97-AF65-F5344CB8AC3E}">
-        <p14:creationId xmlns:p14="http://schemas.microsoft.com/office/powerpoint/2010/main" val="909620791"/>
+        <p14:creationId xmlns:p14="http://schemas.microsoft.com/office/powerpoint/2010/main" val="3822143532"/>
       </p:ext>
     </p:extLst>
   </p:cSld>
@@ -503,8 +504,8 @@
         </p:nvSpPr>
         <p:spPr>
           <a:xfrm>
-            <a:off x="4121607" y="345009"/>
-            <a:ext cx="1241881" cy="5491649"/>
+            <a:off x="4121607" y="574987"/>
+            <a:ext cx="1241881" cy="9152300"/>
           </a:xfrm>
         </p:spPr>
         <p:txBody>
@@ -531,8 +532,8 @@
         </p:nvSpPr>
         <p:spPr>
           <a:xfrm>
-            <a:off x="395963" y="345009"/>
-            <a:ext cx="3653651" cy="5491649"/>
+            <a:off x="395963" y="574987"/>
+            <a:ext cx="3653651" cy="9152300"/>
           </a:xfrm>
         </p:spPr>
         <p:txBody>
@@ -644,7 +645,7 @@
     </p:spTree>
     <p:extLst>
       <p:ext uri="{BB962C8B-B14F-4D97-AF65-F5344CB8AC3E}">
-        <p14:creationId xmlns:p14="http://schemas.microsoft.com/office/powerpoint/2010/main" val="1971017803"/>
+        <p14:creationId xmlns:p14="http://schemas.microsoft.com/office/powerpoint/2010/main" val="1852258848"/>
       </p:ext>
     </p:extLst>
   </p:cSld>
@@ -814,7 +815,7 @@
     </p:spTree>
     <p:extLst>
       <p:ext uri="{BB962C8B-B14F-4D97-AF65-F5344CB8AC3E}">
-        <p14:creationId xmlns:p14="http://schemas.microsoft.com/office/powerpoint/2010/main" val="1637099911"/>
+        <p14:creationId xmlns:p14="http://schemas.microsoft.com/office/powerpoint/2010/main" val="1756364525"/>
       </p:ext>
     </p:extLst>
   </p:cSld>
@@ -853,8 +854,8 @@
         </p:nvSpPr>
         <p:spPr>
           <a:xfrm>
-            <a:off x="392963" y="1615546"/>
-            <a:ext cx="4967526" cy="2695572"/>
+            <a:off x="392963" y="2692444"/>
+            <a:ext cx="4967526" cy="4492401"/>
           </a:xfrm>
         </p:spPr>
         <p:txBody>
@@ -885,8 +886,8 @@
         </p:nvSpPr>
         <p:spPr>
           <a:xfrm>
-            <a:off x="392963" y="4336619"/>
-            <a:ext cx="4967526" cy="1417538"/>
+            <a:off x="392963" y="7227345"/>
+            <a:ext cx="4967526" cy="2362447"/>
           </a:xfrm>
         </p:spPr>
         <p:txBody>
@@ -1058,7 +1059,7 @@
     </p:spTree>
     <p:extLst>
       <p:ext uri="{BB962C8B-B14F-4D97-AF65-F5344CB8AC3E}">
-        <p14:creationId xmlns:p14="http://schemas.microsoft.com/office/powerpoint/2010/main" val="1456921998"/>
+        <p14:creationId xmlns:p14="http://schemas.microsoft.com/office/powerpoint/2010/main" val="2300543144"/>
       </p:ext>
     </p:extLst>
   </p:cSld>
@@ -1120,8 +1121,8 @@
         </p:nvSpPr>
         <p:spPr>
           <a:xfrm>
-            <a:off x="395962" y="1725046"/>
-            <a:ext cx="2447766" cy="4111612"/>
+            <a:off x="395962" y="2874937"/>
+            <a:ext cx="2447766" cy="6852350"/>
           </a:xfrm>
         </p:spPr>
         <p:txBody>
@@ -1177,8 +1178,8 @@
         </p:nvSpPr>
         <p:spPr>
           <a:xfrm>
-            <a:off x="2915722" y="1725046"/>
-            <a:ext cx="2447766" cy="4111612"/>
+            <a:off x="2915722" y="2874937"/>
+            <a:ext cx="2447766" cy="6852350"/>
           </a:xfrm>
         </p:spPr>
         <p:txBody>
@@ -1290,7 +1291,7 @@
     </p:spTree>
     <p:extLst>
       <p:ext uri="{BB962C8B-B14F-4D97-AF65-F5344CB8AC3E}">
-        <p14:creationId xmlns:p14="http://schemas.microsoft.com/office/powerpoint/2010/main" val="4007976576"/>
+        <p14:creationId xmlns:p14="http://schemas.microsoft.com/office/powerpoint/2010/main" val="3657115334"/>
       </p:ext>
     </p:extLst>
   </p:cSld>
@@ -1329,8 +1330,8 @@
         </p:nvSpPr>
         <p:spPr>
           <a:xfrm>
-            <a:off x="396712" y="345011"/>
-            <a:ext cx="4967526" cy="1252534"/>
+            <a:off x="396712" y="574990"/>
+            <a:ext cx="4967526" cy="2087455"/>
           </a:xfrm>
         </p:spPr>
         <p:txBody>
@@ -1357,8 +1358,8 @@
         </p:nvSpPr>
         <p:spPr>
           <a:xfrm>
-            <a:off x="396713" y="1588543"/>
-            <a:ext cx="2436517" cy="778521"/>
+            <a:off x="396713" y="2647443"/>
+            <a:ext cx="2436517" cy="1297471"/>
           </a:xfrm>
         </p:spPr>
         <p:txBody>
@@ -1422,8 +1423,8 @@
         </p:nvSpPr>
         <p:spPr>
           <a:xfrm>
-            <a:off x="396713" y="2367064"/>
-            <a:ext cx="2436517" cy="3481594"/>
+            <a:off x="396713" y="3944914"/>
+            <a:ext cx="2436517" cy="5802373"/>
           </a:xfrm>
         </p:spPr>
         <p:txBody>
@@ -1479,8 +1480,8 @@
         </p:nvSpPr>
         <p:spPr>
           <a:xfrm>
-            <a:off x="2915722" y="1588543"/>
-            <a:ext cx="2448516" cy="778521"/>
+            <a:off x="2915722" y="2647443"/>
+            <a:ext cx="2448516" cy="1297471"/>
           </a:xfrm>
         </p:spPr>
         <p:txBody>
@@ -1544,8 +1545,8 @@
         </p:nvSpPr>
         <p:spPr>
           <a:xfrm>
-            <a:off x="2915722" y="2367064"/>
-            <a:ext cx="2448516" cy="3481594"/>
+            <a:off x="2915722" y="3944914"/>
+            <a:ext cx="2448516" cy="5802373"/>
           </a:xfrm>
         </p:spPr>
         <p:txBody>
@@ -1657,7 +1658,7 @@
     </p:spTree>
     <p:extLst>
       <p:ext uri="{BB962C8B-B14F-4D97-AF65-F5344CB8AC3E}">
-        <p14:creationId xmlns:p14="http://schemas.microsoft.com/office/powerpoint/2010/main" val="1012782740"/>
+        <p14:creationId xmlns:p14="http://schemas.microsoft.com/office/powerpoint/2010/main" val="2464163068"/>
       </p:ext>
     </p:extLst>
   </p:cSld>
@@ -1775,7 +1776,7 @@
     </p:spTree>
     <p:extLst>
       <p:ext uri="{BB962C8B-B14F-4D97-AF65-F5344CB8AC3E}">
-        <p14:creationId xmlns:p14="http://schemas.microsoft.com/office/powerpoint/2010/main" val="3466899025"/>
+        <p14:creationId xmlns:p14="http://schemas.microsoft.com/office/powerpoint/2010/main" val="461609046"/>
       </p:ext>
     </p:extLst>
   </p:cSld>
@@ -1870,7 +1871,7 @@
     </p:spTree>
     <p:extLst>
       <p:ext uri="{BB962C8B-B14F-4D97-AF65-F5344CB8AC3E}">
-        <p14:creationId xmlns:p14="http://schemas.microsoft.com/office/powerpoint/2010/main" val="2494352074"/>
+        <p14:creationId xmlns:p14="http://schemas.microsoft.com/office/powerpoint/2010/main" val="3737144297"/>
       </p:ext>
     </p:extLst>
   </p:cSld>
@@ -1909,8 +1910,8 @@
         </p:nvSpPr>
         <p:spPr>
           <a:xfrm>
-            <a:off x="396712" y="432012"/>
-            <a:ext cx="1857573" cy="1512041"/>
+            <a:off x="396712" y="719984"/>
+            <a:ext cx="1857573" cy="2519945"/>
           </a:xfrm>
         </p:spPr>
         <p:txBody>
@@ -1941,8 +1942,8 @@
         </p:nvSpPr>
         <p:spPr>
           <a:xfrm>
-            <a:off x="2448516" y="933027"/>
-            <a:ext cx="2915722" cy="4605124"/>
+            <a:off x="2448516" y="1554968"/>
+            <a:ext cx="2915722" cy="7674832"/>
           </a:xfrm>
         </p:spPr>
         <p:txBody>
@@ -2026,8 +2027,8 @@
         </p:nvSpPr>
         <p:spPr>
           <a:xfrm>
-            <a:off x="396712" y="1944052"/>
-            <a:ext cx="1857573" cy="3601598"/>
+            <a:off x="396712" y="3239929"/>
+            <a:ext cx="1857573" cy="6002369"/>
           </a:xfrm>
         </p:spPr>
         <p:txBody>
@@ -2147,7 +2148,7 @@
     </p:spTree>
     <p:extLst>
       <p:ext uri="{BB962C8B-B14F-4D97-AF65-F5344CB8AC3E}">
-        <p14:creationId xmlns:p14="http://schemas.microsoft.com/office/powerpoint/2010/main" val="168577993"/>
+        <p14:creationId xmlns:p14="http://schemas.microsoft.com/office/powerpoint/2010/main" val="823886300"/>
       </p:ext>
     </p:extLst>
   </p:cSld>
@@ -2186,8 +2187,8 @@
         </p:nvSpPr>
         <p:spPr>
           <a:xfrm>
-            <a:off x="396712" y="432012"/>
-            <a:ext cx="1857573" cy="1512041"/>
+            <a:off x="396712" y="719984"/>
+            <a:ext cx="1857573" cy="2519945"/>
           </a:xfrm>
         </p:spPr>
         <p:txBody>
@@ -2218,8 +2219,8 @@
         </p:nvSpPr>
         <p:spPr>
           <a:xfrm>
-            <a:off x="2448516" y="933027"/>
-            <a:ext cx="2915722" cy="4605124"/>
+            <a:off x="2448516" y="1554968"/>
+            <a:ext cx="2915722" cy="7674832"/>
           </a:xfrm>
         </p:spPr>
         <p:txBody>
@@ -2283,8 +2284,8 @@
         </p:nvSpPr>
         <p:spPr>
           <a:xfrm>
-            <a:off x="396712" y="1944052"/>
-            <a:ext cx="1857573" cy="3601598"/>
+            <a:off x="396712" y="3239929"/>
+            <a:ext cx="1857573" cy="6002369"/>
           </a:xfrm>
         </p:spPr>
         <p:txBody>
@@ -2404,7 +2405,7 @@
     </p:spTree>
     <p:extLst>
       <p:ext uri="{BB962C8B-B14F-4D97-AF65-F5344CB8AC3E}">
-        <p14:creationId xmlns:p14="http://schemas.microsoft.com/office/powerpoint/2010/main" val="108886001"/>
+        <p14:creationId xmlns:p14="http://schemas.microsoft.com/office/powerpoint/2010/main" val="2508942142"/>
       </p:ext>
     </p:extLst>
   </p:cSld>
@@ -2448,8 +2449,8 @@
         </p:nvSpPr>
         <p:spPr>
           <a:xfrm>
-            <a:off x="395962" y="345011"/>
-            <a:ext cx="4967526" cy="1252534"/>
+            <a:off x="395962" y="574990"/>
+            <a:ext cx="4967526" cy="2087455"/>
           </a:xfrm>
           <a:prstGeom prst="rect">
             <a:avLst/>
@@ -2481,8 +2482,8 @@
         </p:nvSpPr>
         <p:spPr>
           <a:xfrm>
-            <a:off x="395962" y="1725046"/>
-            <a:ext cx="4967526" cy="4111612"/>
+            <a:off x="395962" y="2874937"/>
+            <a:ext cx="4967526" cy="6852350"/>
           </a:xfrm>
           <a:prstGeom prst="rect">
             <a:avLst/>
@@ -2543,8 +2544,8 @@
         </p:nvSpPr>
         <p:spPr>
           <a:xfrm>
-            <a:off x="395962" y="6006164"/>
-            <a:ext cx="1295876" cy="345009"/>
+            <a:off x="395962" y="10009783"/>
+            <a:ext cx="1295876" cy="574987"/>
           </a:xfrm>
           <a:prstGeom prst="rect">
             <a:avLst/>
@@ -2584,8 +2585,8 @@
         </p:nvSpPr>
         <p:spPr>
           <a:xfrm>
-            <a:off x="1907818" y="6006164"/>
-            <a:ext cx="1943814" cy="345009"/>
+            <a:off x="1907818" y="10009783"/>
+            <a:ext cx="1943814" cy="574987"/>
           </a:xfrm>
           <a:prstGeom prst="rect">
             <a:avLst/>
@@ -2621,8 +2622,8 @@
         </p:nvSpPr>
         <p:spPr>
           <a:xfrm>
-            <a:off x="4067612" y="6006164"/>
-            <a:ext cx="1295876" cy="345009"/>
+            <a:off x="4067612" y="10009783"/>
+            <a:ext cx="1295876" cy="574987"/>
           </a:xfrm>
           <a:prstGeom prst="rect">
             <a:avLst/>
@@ -2653,23 +2654,23 @@
     </p:spTree>
     <p:extLst>
       <p:ext uri="{BB962C8B-B14F-4D97-AF65-F5344CB8AC3E}">
-        <p14:creationId xmlns:p14="http://schemas.microsoft.com/office/powerpoint/2010/main" val="233908642"/>
+        <p14:creationId xmlns:p14="http://schemas.microsoft.com/office/powerpoint/2010/main" val="3670078957"/>
       </p:ext>
     </p:extLst>
   </p:cSld>
   <p:clrMap bg1="lt1" tx1="dk1" bg2="lt2" tx2="dk2" accent1="accent1" accent2="accent2" accent3="accent3" accent4="accent4" accent5="accent5" accent6="accent6" hlink="hlink" folHlink="folHlink"/>
   <p:sldLayoutIdLst>
-    <p:sldLayoutId id="2147483709" r:id="rId1"/>
-    <p:sldLayoutId id="2147483710" r:id="rId2"/>
-    <p:sldLayoutId id="2147483711" r:id="rId3"/>
-    <p:sldLayoutId id="2147483712" r:id="rId4"/>
-    <p:sldLayoutId id="2147483713" r:id="rId5"/>
-    <p:sldLayoutId id="2147483714" r:id="rId6"/>
-    <p:sldLayoutId id="2147483715" r:id="rId7"/>
-    <p:sldLayoutId id="2147483716" r:id="rId8"/>
-    <p:sldLayoutId id="2147483717" r:id="rId9"/>
-    <p:sldLayoutId id="2147483718" r:id="rId10"/>
-    <p:sldLayoutId id="2147483719" r:id="rId11"/>
+    <p:sldLayoutId id="2147483721" r:id="rId1"/>
+    <p:sldLayoutId id="2147483722" r:id="rId2"/>
+    <p:sldLayoutId id="2147483723" r:id="rId3"/>
+    <p:sldLayoutId id="2147483724" r:id="rId4"/>
+    <p:sldLayoutId id="2147483725" r:id="rId5"/>
+    <p:sldLayoutId id="2147483726" r:id="rId6"/>
+    <p:sldLayoutId id="2147483727" r:id="rId7"/>
+    <p:sldLayoutId id="2147483728" r:id="rId8"/>
+    <p:sldLayoutId id="2147483729" r:id="rId9"/>
+    <p:sldLayoutId id="2147483730" r:id="rId10"/>
+    <p:sldLayoutId id="2147483731" r:id="rId11"/>
   </p:sldLayoutIdLst>
   <p:txStyles>
     <p:titleStyle>
@@ -2971,970 +2972,1182 @@
           <a:chExt cx="0" cy="0"/>
         </a:xfrm>
       </p:grpSpPr>
-      <p:grpSp>
-        <p:nvGrpSpPr>
-          <p:cNvPr id="3" name="Group 2"/>
-          <p:cNvGrpSpPr/>
+      <p:sp>
+        <p:nvSpPr>
+          <p:cNvPr id="2" name="Flowchart: Alternate Process 1"/>
+          <p:cNvSpPr/>
           <p:nvPr/>
-        </p:nvGrpSpPr>
-        <p:grpSpPr>
+        </p:nvSpPr>
+        <p:spPr>
           <a:xfrm>
-            <a:off x="854084" y="360204"/>
-            <a:ext cx="3379909" cy="5299265"/>
-            <a:chOff x="892818" y="-7260680"/>
-            <a:chExt cx="3379909" cy="5299265"/>
-          </a:xfrm>
-        </p:grpSpPr>
-        <p:sp>
-          <p:nvSpPr>
-            <p:cNvPr id="2" name="Flowchart: Alternate Process 1"/>
-            <p:cNvSpPr/>
-            <p:nvPr/>
-          </p:nvSpPr>
-          <p:spPr>
-            <a:xfrm>
-              <a:off x="1056199" y="-7260680"/>
-              <a:ext cx="1163598" cy="263890"/>
-            </a:xfrm>
-            <a:prstGeom prst="flowChartAlternateProcess">
+            <a:off x="384168" y="398032"/>
+            <a:ext cx="2780812" cy="623053"/>
+          </a:xfrm>
+          <a:prstGeom prst="flowChartAlternateProcess">
+            <a:avLst/>
+          </a:prstGeom>
+        </p:spPr>
+        <p:style>
+          <a:lnRef idx="1">
+            <a:schemeClr val="accent4"/>
+          </a:lnRef>
+          <a:fillRef idx="2">
+            <a:schemeClr val="accent4"/>
+          </a:fillRef>
+          <a:effectRef idx="1">
+            <a:schemeClr val="accent4"/>
+          </a:effectRef>
+          <a:fontRef idx="minor">
+            <a:schemeClr val="dk1"/>
+          </a:fontRef>
+        </p:style>
+        <p:txBody>
+          <a:bodyPr rot="0" spcFirstLastPara="0" vertOverflow="overflow" horzOverflow="overflow" vert="horz" wrap="square" lIns="58446" tIns="29223" rIns="58446" bIns="29223" numCol="1" spcCol="0" rtlCol="0" fromWordArt="0" anchor="ctr" anchorCtr="0" forceAA="0" compatLnSpc="1">
+            <a:prstTxWarp prst="textNoShape">
               <a:avLst/>
-            </a:prstGeom>
-          </p:spPr>
-          <p:style>
-            <a:lnRef idx="1">
-              <a:schemeClr val="accent4"/>
-            </a:lnRef>
-            <a:fillRef idx="2">
-              <a:schemeClr val="accent4"/>
-            </a:fillRef>
-            <a:effectRef idx="1">
-              <a:schemeClr val="accent4"/>
-            </a:effectRef>
-            <a:fontRef idx="minor">
-              <a:schemeClr val="dk1"/>
-            </a:fontRef>
-          </p:style>
-          <p:txBody>
-            <a:bodyPr rot="0" spcFirstLastPara="0" vertOverflow="overflow" horzOverflow="overflow" vert="horz" wrap="square" lIns="58446" tIns="29223" rIns="58446" bIns="29223" numCol="1" spcCol="0" rtlCol="0" fromWordArt="0" anchor="ctr" anchorCtr="0" forceAA="0" compatLnSpc="1">
-              <a:prstTxWarp prst="textNoShape">
-                <a:avLst/>
-              </a:prstTxWarp>
-              <a:noAutofit/>
-            </a:bodyPr>
-            <a:lstStyle/>
-            <a:p>
-              <a:pPr algn="ctr"/>
-              <a:r>
-                <a:rPr lang="en-GB" sz="897" dirty="0"/>
-                <a:t>Plane::Navigate()</a:t>
-              </a:r>
-              <a:br>
-                <a:rPr lang="en-GB" sz="897" dirty="0"/>
-              </a:br>
-              <a:r>
-                <a:rPr lang="en-GB" sz="640" dirty="0"/>
-                <a:t>Scheduled </a:t>
-              </a:r>
-              <a:r>
-                <a:rPr lang="en-GB" sz="640" dirty="0" smtClean="0"/>
-                <a:t>Task</a:t>
-              </a:r>
-              <a:endParaRPr lang="en-GB" sz="897" dirty="0"/>
-            </a:p>
-          </p:txBody>
-        </p:sp>
-        <p:sp>
-          <p:nvSpPr>
-            <p:cNvPr id="4" name="Flowchart: Alternate Process 3"/>
-            <p:cNvSpPr/>
-            <p:nvPr/>
-          </p:nvSpPr>
-          <p:spPr>
-            <a:xfrm>
-              <a:off x="937978" y="-6597411"/>
-              <a:ext cx="1402694" cy="263890"/>
-            </a:xfrm>
-            <a:prstGeom prst="flowChartAlternateProcess">
+            </a:prstTxWarp>
+            <a:noAutofit/>
+          </a:bodyPr>
+          <a:lstStyle/>
+          <a:p>
+            <a:pPr algn="ctr"/>
+            <a:r>
+              <a:rPr lang="en-GB" sz="2400" dirty="0"/>
+              <a:t>Plane::Navigate()</a:t>
+            </a:r>
+            <a:br>
+              <a:rPr lang="en-GB" sz="2400" dirty="0"/>
+            </a:br>
+            <a:r>
+              <a:rPr lang="en-GB" sz="1800" dirty="0"/>
+              <a:t>Scheduled </a:t>
+            </a:r>
+            <a:r>
+              <a:rPr lang="en-GB" sz="1800" dirty="0"/>
+              <a:t>Task</a:t>
+            </a:r>
+            <a:endParaRPr lang="en-GB" sz="2400" dirty="0"/>
+          </a:p>
+        </p:txBody>
+      </p:sp>
+      <p:sp>
+        <p:nvSpPr>
+          <p:cNvPr id="4" name="Flowchart: Alternate Process 3"/>
+          <p:cNvSpPr/>
+          <p:nvPr/>
+        </p:nvSpPr>
+        <p:spPr>
+          <a:xfrm>
+            <a:off x="99371" y="1566689"/>
+            <a:ext cx="3524752" cy="598827"/>
+          </a:xfrm>
+          <a:prstGeom prst="flowChartAlternateProcess">
+            <a:avLst/>
+          </a:prstGeom>
+        </p:spPr>
+        <p:style>
+          <a:lnRef idx="1">
+            <a:schemeClr val="accent4"/>
+          </a:lnRef>
+          <a:fillRef idx="2">
+            <a:schemeClr val="accent4"/>
+          </a:fillRef>
+          <a:effectRef idx="1">
+            <a:schemeClr val="accent4"/>
+          </a:effectRef>
+          <a:fontRef idx="minor">
+            <a:schemeClr val="dk1"/>
+          </a:fontRef>
+        </p:style>
+        <p:txBody>
+          <a:bodyPr rot="0" spcFirstLastPara="0" vertOverflow="overflow" horzOverflow="overflow" vert="horz" wrap="square" lIns="58446" tIns="29223" rIns="58446" bIns="29223" numCol="1" spcCol="0" rtlCol="0" fromWordArt="0" anchor="ctr" anchorCtr="0" forceAA="0" compatLnSpc="1">
+            <a:prstTxWarp prst="textNoShape">
               <a:avLst/>
-            </a:prstGeom>
-          </p:spPr>
-          <p:style>
-            <a:lnRef idx="1">
-              <a:schemeClr val="accent4"/>
-            </a:lnRef>
-            <a:fillRef idx="2">
-              <a:schemeClr val="accent4"/>
-            </a:fillRef>
-            <a:effectRef idx="1">
-              <a:schemeClr val="accent4"/>
-            </a:effectRef>
-            <a:fontRef idx="minor">
-              <a:schemeClr val="dk1"/>
-            </a:fontRef>
-          </p:style>
-          <p:txBody>
-            <a:bodyPr rot="0" spcFirstLastPara="0" vertOverflow="overflow" horzOverflow="overflow" vert="horz" wrap="square" lIns="58446" tIns="29223" rIns="58446" bIns="29223" numCol="1" spcCol="0" rtlCol="0" fromWordArt="0" anchor="ctr" anchorCtr="0" forceAA="0" compatLnSpc="1">
-              <a:prstTxWarp prst="textNoShape">
-                <a:avLst/>
-              </a:prstTxWarp>
-              <a:noAutofit/>
-            </a:bodyPr>
-            <a:lstStyle/>
-            <a:p>
-              <a:pPr algn="ctr"/>
-              <a:r>
-                <a:rPr lang="en-GB" sz="897" dirty="0"/>
-                <a:t>Plane::</a:t>
-              </a:r>
-              <a:r>
-                <a:rPr lang="en-GB" sz="897" dirty="0" err="1"/>
-                <a:t>update_navigation</a:t>
-              </a:r>
-              <a:r>
-                <a:rPr lang="en-GB" sz="897" dirty="0"/>
-                <a:t>()</a:t>
-              </a:r>
-            </a:p>
-          </p:txBody>
-        </p:sp>
-        <p:sp>
-          <p:nvSpPr>
-            <p:cNvPr id="5" name="Flowchart: Decision 4"/>
-            <p:cNvSpPr/>
-            <p:nvPr/>
-          </p:nvSpPr>
-          <p:spPr>
-            <a:xfrm>
-              <a:off x="892818" y="-6074056"/>
-              <a:ext cx="1490363" cy="495902"/>
-            </a:xfrm>
-            <a:prstGeom prst="flowChartDecision">
+            </a:prstTxWarp>
+            <a:noAutofit/>
+          </a:bodyPr>
+          <a:lstStyle/>
+          <a:p>
+            <a:pPr algn="ctr"/>
+            <a:r>
+              <a:rPr lang="en-GB" sz="2400" dirty="0"/>
+              <a:t>Plane::</a:t>
+            </a:r>
+            <a:r>
+              <a:rPr lang="en-GB" sz="2400" dirty="0" err="1"/>
+              <a:t>update_navigation</a:t>
+            </a:r>
+            <a:r>
+              <a:rPr lang="en-GB" sz="2400" dirty="0"/>
+              <a:t>()</a:t>
+            </a:r>
+          </a:p>
+        </p:txBody>
+      </p:sp>
+      <p:sp>
+        <p:nvSpPr>
+          <p:cNvPr id="5" name="Flowchart: Decision 4"/>
+          <p:cNvSpPr/>
+          <p:nvPr/>
+        </p:nvSpPr>
+        <p:spPr>
+          <a:xfrm>
+            <a:off x="228002" y="2522823"/>
+            <a:ext cx="3267490" cy="1294872"/>
+          </a:xfrm>
+          <a:prstGeom prst="flowChartDecision">
+            <a:avLst/>
+          </a:prstGeom>
+        </p:spPr>
+        <p:style>
+          <a:lnRef idx="1">
+            <a:schemeClr val="accent4"/>
+          </a:lnRef>
+          <a:fillRef idx="2">
+            <a:schemeClr val="accent4"/>
+          </a:fillRef>
+          <a:effectRef idx="1">
+            <a:schemeClr val="accent4"/>
+          </a:effectRef>
+          <a:fontRef idx="minor">
+            <a:schemeClr val="dk1"/>
+          </a:fontRef>
+        </p:style>
+        <p:txBody>
+          <a:bodyPr rot="0" spcFirstLastPara="0" vertOverflow="overflow" horzOverflow="overflow" vert="horz" wrap="square" lIns="58446" tIns="29223" rIns="58446" bIns="29223" numCol="1" spcCol="0" rtlCol="0" fromWordArt="0" anchor="ctr" anchorCtr="0" forceAA="0" compatLnSpc="1">
+            <a:prstTxWarp prst="textNoShape">
               <a:avLst/>
-            </a:prstGeom>
-          </p:spPr>
-          <p:style>
-            <a:lnRef idx="1">
-              <a:schemeClr val="accent4"/>
-            </a:lnRef>
-            <a:fillRef idx="2">
-              <a:schemeClr val="accent4"/>
-            </a:fillRef>
-            <a:effectRef idx="1">
-              <a:schemeClr val="accent4"/>
-            </a:effectRef>
-            <a:fontRef idx="minor">
-              <a:schemeClr val="dk1"/>
-            </a:fontRef>
-          </p:style>
-          <p:txBody>
-            <a:bodyPr rot="0" spcFirstLastPara="0" vertOverflow="overflow" horzOverflow="overflow" vert="horz" wrap="square" lIns="58446" tIns="29223" rIns="58446" bIns="29223" numCol="1" spcCol="0" rtlCol="0" fromWordArt="0" anchor="ctr" anchorCtr="0" forceAA="0" compatLnSpc="1">
-              <a:prstTxWarp prst="textNoShape">
-                <a:avLst/>
-              </a:prstTxWarp>
-              <a:noAutofit/>
-            </a:bodyPr>
-            <a:lstStyle/>
-            <a:p>
-              <a:pPr algn="ctr"/>
-              <a:r>
-                <a:rPr lang="en-GB" sz="897" dirty="0"/>
-                <a:t>Are we in AUTO mode?</a:t>
-              </a:r>
-            </a:p>
-          </p:txBody>
-        </p:sp>
-        <p:sp>
-          <p:nvSpPr>
-            <p:cNvPr id="6" name="Flowchart: Alternate Process 5"/>
-            <p:cNvSpPr/>
-            <p:nvPr/>
-          </p:nvSpPr>
-          <p:spPr>
-            <a:xfrm>
-              <a:off x="919383" y="-5318693"/>
-              <a:ext cx="1437232" cy="279831"/>
-            </a:xfrm>
-            <a:prstGeom prst="flowChartAlternateProcess">
+            </a:prstTxWarp>
+            <a:noAutofit/>
+          </a:bodyPr>
+          <a:lstStyle/>
+          <a:p>
+            <a:pPr algn="ctr"/>
+            <a:r>
+              <a:rPr lang="en-GB" sz="2400" dirty="0"/>
+              <a:t>Are we in AUTO mode?</a:t>
+            </a:r>
+          </a:p>
+        </p:txBody>
+      </p:sp>
+      <p:sp>
+        <p:nvSpPr>
+          <p:cNvPr id="6" name="Flowchart: Alternate Process 5"/>
+          <p:cNvSpPr/>
+          <p:nvPr/>
+        </p:nvSpPr>
+        <p:spPr>
+          <a:xfrm>
+            <a:off x="22421" y="4211104"/>
+            <a:ext cx="3678652" cy="803051"/>
+          </a:xfrm>
+          <a:prstGeom prst="flowChartAlternateProcess">
+            <a:avLst/>
+          </a:prstGeom>
+        </p:spPr>
+        <p:style>
+          <a:lnRef idx="1">
+            <a:schemeClr val="accent4"/>
+          </a:lnRef>
+          <a:fillRef idx="2">
+            <a:schemeClr val="accent4"/>
+          </a:fillRef>
+          <a:effectRef idx="1">
+            <a:schemeClr val="accent4"/>
+          </a:effectRef>
+          <a:fontRef idx="minor">
+            <a:schemeClr val="dk1"/>
+          </a:fontRef>
+        </p:style>
+        <p:txBody>
+          <a:bodyPr rot="0" spcFirstLastPara="0" vertOverflow="overflow" horzOverflow="overflow" vert="horz" wrap="square" lIns="58446" tIns="29223" rIns="58446" bIns="29223" numCol="1" spcCol="0" rtlCol="0" fromWordArt="0" anchor="ctr" anchorCtr="0" forceAA="0" compatLnSpc="1">
+            <a:prstTxWarp prst="textNoShape">
               <a:avLst/>
-            </a:prstGeom>
-          </p:spPr>
-          <p:style>
-            <a:lnRef idx="1">
-              <a:schemeClr val="accent4"/>
-            </a:lnRef>
-            <a:fillRef idx="2">
-              <a:schemeClr val="accent4"/>
-            </a:fillRef>
-            <a:effectRef idx="1">
-              <a:schemeClr val="accent4"/>
-            </a:effectRef>
-            <a:fontRef idx="minor">
-              <a:schemeClr val="dk1"/>
-            </a:fontRef>
-          </p:style>
-          <p:txBody>
-            <a:bodyPr rot="0" spcFirstLastPara="0" vertOverflow="overflow" horzOverflow="overflow" vert="horz" wrap="square" lIns="58446" tIns="29223" rIns="58446" bIns="29223" numCol="1" spcCol="0" rtlCol="0" fromWordArt="0" anchor="ctr" anchorCtr="0" forceAA="0" compatLnSpc="1">
-              <a:prstTxWarp prst="textNoShape">
-                <a:avLst/>
-              </a:prstTxWarp>
-              <a:noAutofit/>
-            </a:bodyPr>
-            <a:lstStyle/>
-            <a:p>
-              <a:pPr algn="ctr"/>
-              <a:r>
-                <a:rPr lang="en-GB" sz="897" dirty="0"/>
-                <a:t>Plane::</a:t>
-              </a:r>
-              <a:r>
-                <a:rPr lang="en-GB" sz="897" dirty="0" err="1"/>
-                <a:t>update_commands</a:t>
-              </a:r>
-              <a:r>
-                <a:rPr lang="en-GB" sz="897" dirty="0"/>
-                <a:t>()</a:t>
-              </a:r>
-            </a:p>
-          </p:txBody>
-        </p:sp>
-        <p:sp>
-          <p:nvSpPr>
-            <p:cNvPr id="8" name="Flowchart: Decision 7"/>
-            <p:cNvSpPr/>
-            <p:nvPr/>
-          </p:nvSpPr>
-          <p:spPr>
-            <a:xfrm>
-              <a:off x="892818" y="-4779399"/>
-              <a:ext cx="1490363" cy="570285"/>
-            </a:xfrm>
-            <a:prstGeom prst="flowChartDecision">
+            </a:prstTxWarp>
+            <a:noAutofit/>
+          </a:bodyPr>
+          <a:lstStyle/>
+          <a:p>
+            <a:pPr algn="ctr"/>
+            <a:r>
+              <a:rPr lang="en-GB" sz="2400" dirty="0"/>
+              <a:t>Plane::</a:t>
+            </a:r>
+            <a:r>
+              <a:rPr lang="en-GB" sz="2400" dirty="0" err="1"/>
+              <a:t>update_commands</a:t>
+            </a:r>
+            <a:r>
+              <a:rPr lang="en-GB" sz="2400" dirty="0"/>
+              <a:t>()</a:t>
+            </a:r>
+          </a:p>
+        </p:txBody>
+      </p:sp>
+      <p:sp>
+        <p:nvSpPr>
+          <p:cNvPr id="8" name="Flowchart: Decision 7"/>
+          <p:cNvSpPr/>
+          <p:nvPr/>
+        </p:nvSpPr>
+        <p:spPr>
+          <a:xfrm>
+            <a:off x="443931" y="5612979"/>
+            <a:ext cx="2661286" cy="1526615"/>
+          </a:xfrm>
+          <a:prstGeom prst="flowChartDecision">
+            <a:avLst/>
+          </a:prstGeom>
+        </p:spPr>
+        <p:style>
+          <a:lnRef idx="1">
+            <a:schemeClr val="accent4"/>
+          </a:lnRef>
+          <a:fillRef idx="2">
+            <a:schemeClr val="accent4"/>
+          </a:fillRef>
+          <a:effectRef idx="1">
+            <a:schemeClr val="accent4"/>
+          </a:effectRef>
+          <a:fontRef idx="minor">
+            <a:schemeClr val="dk1"/>
+          </a:fontRef>
+        </p:style>
+        <p:txBody>
+          <a:bodyPr rot="0" spcFirstLastPara="0" vertOverflow="overflow" horzOverflow="overflow" vert="horz" wrap="square" lIns="58446" tIns="29223" rIns="58446" bIns="29223" numCol="1" spcCol="0" rtlCol="0" fromWordArt="0" anchor="ctr" anchorCtr="0" forceAA="0" compatLnSpc="1">
+            <a:prstTxWarp prst="textNoShape">
               <a:avLst/>
-            </a:prstGeom>
-          </p:spPr>
-          <p:style>
-            <a:lnRef idx="1">
-              <a:schemeClr val="accent4"/>
-            </a:lnRef>
-            <a:fillRef idx="2">
-              <a:schemeClr val="accent4"/>
-            </a:fillRef>
-            <a:effectRef idx="1">
-              <a:schemeClr val="accent4"/>
-            </a:effectRef>
-            <a:fontRef idx="minor">
-              <a:schemeClr val="dk1"/>
-            </a:fontRef>
-          </p:style>
-          <p:txBody>
-            <a:bodyPr rot="0" spcFirstLastPara="0" vertOverflow="overflow" horzOverflow="overflow" vert="horz" wrap="square" lIns="58446" tIns="29223" rIns="58446" bIns="29223" numCol="1" spcCol="0" rtlCol="0" fromWordArt="0" anchor="ctr" anchorCtr="0" forceAA="0" compatLnSpc="1">
-              <a:prstTxWarp prst="textNoShape">
-                <a:avLst/>
-              </a:prstTxWarp>
-              <a:noAutofit/>
-            </a:bodyPr>
-            <a:lstStyle/>
-            <a:p>
-              <a:pPr algn="ctr"/>
-              <a:r>
-                <a:rPr lang="en-GB" sz="897" dirty="0"/>
-                <a:t>Is a mission running?</a:t>
-              </a:r>
-            </a:p>
-          </p:txBody>
-        </p:sp>
-        <p:sp>
-          <p:nvSpPr>
-            <p:cNvPr id="9" name="Flowchart: Alternate Process 8"/>
-            <p:cNvSpPr/>
-            <p:nvPr/>
-          </p:nvSpPr>
-          <p:spPr>
-            <a:xfrm>
-              <a:off x="2835495" y="-4634172"/>
-              <a:ext cx="1437232" cy="279831"/>
-            </a:xfrm>
-            <a:prstGeom prst="flowChartAlternateProcess">
+            </a:prstTxWarp>
+            <a:noAutofit/>
+          </a:bodyPr>
+          <a:lstStyle/>
+          <a:p>
+            <a:pPr algn="ctr"/>
+            <a:r>
+              <a:rPr lang="en-GB" sz="2400" dirty="0"/>
+              <a:t>Is a mission running?</a:t>
+            </a:r>
+          </a:p>
+        </p:txBody>
+      </p:sp>
+      <p:sp>
+        <p:nvSpPr>
+          <p:cNvPr id="9" name="Flowchart: Alternate Process 8"/>
+          <p:cNvSpPr/>
+          <p:nvPr/>
+        </p:nvSpPr>
+        <p:spPr>
+          <a:xfrm>
+            <a:off x="3701073" y="6034025"/>
+            <a:ext cx="1437232" cy="684521"/>
+          </a:xfrm>
+          <a:prstGeom prst="flowChartAlternateProcess">
+            <a:avLst/>
+          </a:prstGeom>
+        </p:spPr>
+        <p:style>
+          <a:lnRef idx="1">
+            <a:schemeClr val="accent4"/>
+          </a:lnRef>
+          <a:fillRef idx="2">
+            <a:schemeClr val="accent4"/>
+          </a:fillRef>
+          <a:effectRef idx="1">
+            <a:schemeClr val="accent4"/>
+          </a:effectRef>
+          <a:fontRef idx="minor">
+            <a:schemeClr val="dk1"/>
+          </a:fontRef>
+        </p:style>
+        <p:txBody>
+          <a:bodyPr rot="0" spcFirstLastPara="0" vertOverflow="overflow" horzOverflow="overflow" vert="horz" wrap="square" lIns="58446" tIns="29223" rIns="58446" bIns="29223" numCol="1" spcCol="0" rtlCol="0" fromWordArt="0" anchor="ctr" anchorCtr="0" forceAA="0" compatLnSpc="1">
+            <a:prstTxWarp prst="textNoShape">
               <a:avLst/>
-            </a:prstGeom>
-          </p:spPr>
-          <p:style>
-            <a:lnRef idx="1">
-              <a:schemeClr val="accent4"/>
-            </a:lnRef>
-            <a:fillRef idx="2">
-              <a:schemeClr val="accent4"/>
-            </a:fillRef>
-            <a:effectRef idx="1">
-              <a:schemeClr val="accent4"/>
-            </a:effectRef>
-            <a:fontRef idx="minor">
-              <a:schemeClr val="dk1"/>
-            </a:fontRef>
-          </p:style>
-          <p:txBody>
-            <a:bodyPr rot="0" spcFirstLastPara="0" vertOverflow="overflow" horzOverflow="overflow" vert="horz" wrap="square" lIns="58446" tIns="29223" rIns="58446" bIns="29223" numCol="1" spcCol="0" rtlCol="0" fromWordArt="0" anchor="ctr" anchorCtr="0" forceAA="0" compatLnSpc="1">
-              <a:prstTxWarp prst="textNoShape">
-                <a:avLst/>
-              </a:prstTxWarp>
-              <a:noAutofit/>
-            </a:bodyPr>
-            <a:lstStyle/>
-            <a:p>
-              <a:pPr algn="ctr"/>
-              <a:r>
-                <a:rPr lang="en-GB" sz="897" dirty="0"/>
-                <a:t>Return to landing</a:t>
-              </a:r>
-            </a:p>
-          </p:txBody>
-        </p:sp>
-        <p:sp>
-          <p:nvSpPr>
-            <p:cNvPr id="10" name="Flowchart: Alternate Process 9"/>
-            <p:cNvSpPr/>
-            <p:nvPr/>
-          </p:nvSpPr>
-          <p:spPr>
-            <a:xfrm>
-              <a:off x="919383" y="-3949650"/>
-              <a:ext cx="1437232" cy="279831"/>
-            </a:xfrm>
-            <a:prstGeom prst="flowChartAlternateProcess">
+            </a:prstTxWarp>
+            <a:noAutofit/>
+          </a:bodyPr>
+          <a:lstStyle/>
+          <a:p>
+            <a:pPr algn="ctr"/>
+            <a:r>
+              <a:rPr lang="en-GB" sz="2400" dirty="0"/>
+              <a:t>Return to landing</a:t>
+            </a:r>
+          </a:p>
+        </p:txBody>
+      </p:sp>
+      <p:sp>
+        <p:nvSpPr>
+          <p:cNvPr id="10" name="Flowchart: Alternate Process 9"/>
+          <p:cNvSpPr/>
+          <p:nvPr/>
+        </p:nvSpPr>
+        <p:spPr>
+          <a:xfrm>
+            <a:off x="315625" y="7594822"/>
+            <a:ext cx="2917898" cy="479272"/>
+          </a:xfrm>
+          <a:prstGeom prst="flowChartAlternateProcess">
+            <a:avLst/>
+          </a:prstGeom>
+        </p:spPr>
+        <p:style>
+          <a:lnRef idx="1">
+            <a:schemeClr val="accent4"/>
+          </a:lnRef>
+          <a:fillRef idx="2">
+            <a:schemeClr val="accent4"/>
+          </a:fillRef>
+          <a:effectRef idx="1">
+            <a:schemeClr val="accent4"/>
+          </a:effectRef>
+          <a:fontRef idx="minor">
+            <a:schemeClr val="dk1"/>
+          </a:fontRef>
+        </p:style>
+        <p:txBody>
+          <a:bodyPr rot="0" spcFirstLastPara="0" vertOverflow="overflow" horzOverflow="overflow" vert="horz" wrap="square" lIns="58446" tIns="29223" rIns="58446" bIns="29223" numCol="1" spcCol="0" rtlCol="0" fromWordArt="0" anchor="ctr" anchorCtr="0" forceAA="0" compatLnSpc="1">
+            <a:prstTxWarp prst="textNoShape">
               <a:avLst/>
-            </a:prstGeom>
-          </p:spPr>
-          <p:style>
-            <a:lnRef idx="1">
-              <a:schemeClr val="accent4"/>
-            </a:lnRef>
-            <a:fillRef idx="2">
-              <a:schemeClr val="accent4"/>
-            </a:fillRef>
-            <a:effectRef idx="1">
-              <a:schemeClr val="accent4"/>
-            </a:effectRef>
-            <a:fontRef idx="minor">
-              <a:schemeClr val="dk1"/>
-            </a:fontRef>
-          </p:style>
-          <p:txBody>
-            <a:bodyPr rot="0" spcFirstLastPara="0" vertOverflow="overflow" horzOverflow="overflow" vert="horz" wrap="square" lIns="58446" tIns="29223" rIns="58446" bIns="29223" numCol="1" spcCol="0" rtlCol="0" fromWordArt="0" anchor="ctr" anchorCtr="0" forceAA="0" compatLnSpc="1">
-              <a:prstTxWarp prst="textNoShape">
-                <a:avLst/>
-              </a:prstTxWarp>
-              <a:noAutofit/>
-            </a:bodyPr>
-            <a:lstStyle/>
-            <a:p>
-              <a:pPr algn="ctr"/>
-              <a:r>
-                <a:rPr lang="en-GB" sz="897" dirty="0" err="1"/>
-                <a:t>AP_Mission</a:t>
-              </a:r>
-              <a:r>
-                <a:rPr lang="en-GB" sz="897" dirty="0"/>
-                <a:t>::update()</a:t>
-              </a:r>
-            </a:p>
-          </p:txBody>
-        </p:sp>
-        <p:sp>
-          <p:nvSpPr>
-            <p:cNvPr id="11" name="Flowchart: Decision 10"/>
-            <p:cNvSpPr/>
-            <p:nvPr/>
-          </p:nvSpPr>
-          <p:spPr>
-            <a:xfrm>
-              <a:off x="892818" y="-3410355"/>
-              <a:ext cx="1490363" cy="570285"/>
-            </a:xfrm>
-            <a:prstGeom prst="flowChartDecision">
+            </a:prstTxWarp>
+            <a:noAutofit/>
+          </a:bodyPr>
+          <a:lstStyle/>
+          <a:p>
+            <a:pPr algn="ctr"/>
+            <a:r>
+              <a:rPr lang="en-GB" sz="2400" dirty="0" err="1"/>
+              <a:t>AP_Mission</a:t>
+            </a:r>
+            <a:r>
+              <a:rPr lang="en-GB" sz="2400" dirty="0"/>
+              <a:t>::update()</a:t>
+            </a:r>
+          </a:p>
+        </p:txBody>
+      </p:sp>
+      <p:sp>
+        <p:nvSpPr>
+          <p:cNvPr id="11" name="Flowchart: Decision 10"/>
+          <p:cNvSpPr/>
+          <p:nvPr/>
+        </p:nvSpPr>
+        <p:spPr>
+          <a:xfrm>
+            <a:off x="941738" y="8529324"/>
+            <a:ext cx="1490363" cy="570285"/>
+          </a:xfrm>
+          <a:prstGeom prst="flowChartDecision">
+            <a:avLst/>
+          </a:prstGeom>
+        </p:spPr>
+        <p:style>
+          <a:lnRef idx="1">
+            <a:schemeClr val="accent4"/>
+          </a:lnRef>
+          <a:fillRef idx="2">
+            <a:schemeClr val="accent4"/>
+          </a:fillRef>
+          <a:effectRef idx="1">
+            <a:schemeClr val="accent4"/>
+          </a:effectRef>
+          <a:fontRef idx="minor">
+            <a:schemeClr val="dk1"/>
+          </a:fontRef>
+        </p:style>
+        <p:txBody>
+          <a:bodyPr rot="0" spcFirstLastPara="0" vertOverflow="overflow" horzOverflow="overflow" vert="horz" wrap="square" lIns="58446" tIns="29223" rIns="58446" bIns="29223" numCol="1" spcCol="0" rtlCol="0" fromWordArt="0" anchor="ctr" anchorCtr="0" forceAA="0" compatLnSpc="1">
+            <a:prstTxWarp prst="textNoShape">
               <a:avLst/>
-            </a:prstGeom>
-          </p:spPr>
-          <p:style>
-            <a:lnRef idx="1">
-              <a:schemeClr val="accent4"/>
-            </a:lnRef>
-            <a:fillRef idx="2">
-              <a:schemeClr val="accent4"/>
-            </a:fillRef>
-            <a:effectRef idx="1">
-              <a:schemeClr val="accent4"/>
-            </a:effectRef>
-            <a:fontRef idx="minor">
-              <a:schemeClr val="dk1"/>
-            </a:fontRef>
-          </p:style>
-          <p:txBody>
-            <a:bodyPr rot="0" spcFirstLastPara="0" vertOverflow="overflow" horzOverflow="overflow" vert="horz" wrap="square" lIns="58446" tIns="29223" rIns="58446" bIns="29223" numCol="1" spcCol="0" rtlCol="0" fromWordArt="0" anchor="ctr" anchorCtr="0" forceAA="0" compatLnSpc="1">
-              <a:prstTxWarp prst="textNoShape">
-                <a:avLst/>
-              </a:prstTxWarp>
-              <a:noAutofit/>
-            </a:bodyPr>
-            <a:lstStyle/>
-            <a:p>
-              <a:pPr algn="ctr"/>
-              <a:r>
-                <a:rPr lang="en-GB" sz="897" dirty="0"/>
-                <a:t>Is a command in progress?</a:t>
-              </a:r>
-            </a:p>
-          </p:txBody>
-        </p:sp>
-        <p:sp>
-          <p:nvSpPr>
-            <p:cNvPr id="12" name="Flowchart: Alternate Process 11"/>
-            <p:cNvSpPr/>
-            <p:nvPr/>
-          </p:nvSpPr>
-          <p:spPr>
-            <a:xfrm>
-              <a:off x="919383" y="-2241246"/>
-              <a:ext cx="1437232" cy="279831"/>
-            </a:xfrm>
-            <a:prstGeom prst="flowChartAlternateProcess">
+            </a:prstTxWarp>
+            <a:noAutofit/>
+          </a:bodyPr>
+          <a:lstStyle/>
+          <a:p>
+            <a:pPr algn="ctr"/>
+            <a:r>
+              <a:rPr lang="en-GB" sz="897" dirty="0"/>
+              <a:t>Is a command in progress?</a:t>
+            </a:r>
+          </a:p>
+        </p:txBody>
+      </p:sp>
+      <p:sp>
+        <p:nvSpPr>
+          <p:cNvPr id="12" name="Flowchart: Alternate Process 11"/>
+          <p:cNvSpPr/>
+          <p:nvPr/>
+        </p:nvSpPr>
+        <p:spPr>
+          <a:xfrm>
+            <a:off x="968302" y="9698433"/>
+            <a:ext cx="1437232" cy="279831"/>
+          </a:xfrm>
+          <a:prstGeom prst="flowChartAlternateProcess">
+            <a:avLst/>
+          </a:prstGeom>
+        </p:spPr>
+        <p:style>
+          <a:lnRef idx="1">
+            <a:schemeClr val="accent4"/>
+          </a:lnRef>
+          <a:fillRef idx="2">
+            <a:schemeClr val="accent4"/>
+          </a:fillRef>
+          <a:effectRef idx="1">
+            <a:schemeClr val="accent4"/>
+          </a:effectRef>
+          <a:fontRef idx="minor">
+            <a:schemeClr val="dk1"/>
+          </a:fontRef>
+        </p:style>
+        <p:txBody>
+          <a:bodyPr rot="0" spcFirstLastPara="0" vertOverflow="overflow" horzOverflow="overflow" vert="horz" wrap="square" lIns="58446" tIns="29223" rIns="58446" bIns="29223" numCol="1" spcCol="0" rtlCol="0" fromWordArt="0" anchor="ctr" anchorCtr="0" forceAA="0" compatLnSpc="1">
+            <a:prstTxWarp prst="textNoShape">
               <a:avLst/>
-            </a:prstGeom>
-          </p:spPr>
-          <p:style>
-            <a:lnRef idx="1">
-              <a:schemeClr val="accent4"/>
-            </a:lnRef>
-            <a:fillRef idx="2">
-              <a:schemeClr val="accent4"/>
-            </a:fillRef>
-            <a:effectRef idx="1">
-              <a:schemeClr val="accent4"/>
-            </a:effectRef>
-            <a:fontRef idx="minor">
-              <a:schemeClr val="dk1"/>
-            </a:fontRef>
-          </p:style>
-          <p:txBody>
-            <a:bodyPr rot="0" spcFirstLastPara="0" vertOverflow="overflow" horzOverflow="overflow" vert="horz" wrap="square" lIns="58446" tIns="29223" rIns="58446" bIns="29223" numCol="1" spcCol="0" rtlCol="0" fromWordArt="0" anchor="ctr" anchorCtr="0" forceAA="0" compatLnSpc="1">
-              <a:prstTxWarp prst="textNoShape">
-                <a:avLst/>
-              </a:prstTxWarp>
-              <a:noAutofit/>
-            </a:bodyPr>
-            <a:lstStyle/>
-            <a:p>
-              <a:pPr algn="ctr"/>
-              <a:r>
-                <a:rPr lang="en-GB" sz="897" dirty="0"/>
-                <a:t>Call verify </a:t>
-              </a:r>
-              <a:r>
-                <a:rPr lang="en-GB" sz="897" dirty="0" err="1"/>
-                <a:t>callback</a:t>
-              </a:r>
-              <a:r>
-                <a:rPr lang="en-GB" sz="897" dirty="0"/>
-                <a:t> function</a:t>
-              </a:r>
-              <a:endParaRPr lang="en-GB" sz="897" dirty="0"/>
-            </a:p>
-          </p:txBody>
-        </p:sp>
-        <p:sp>
-          <p:nvSpPr>
-            <p:cNvPr id="13" name="Flowchart: Alternate Process 12"/>
-            <p:cNvSpPr/>
-            <p:nvPr/>
-          </p:nvSpPr>
-          <p:spPr>
-            <a:xfrm>
-              <a:off x="2835495" y="-3270440"/>
-              <a:ext cx="1437232" cy="279831"/>
-            </a:xfrm>
-            <a:prstGeom prst="flowChartAlternateProcess">
+            </a:prstTxWarp>
+            <a:noAutofit/>
+          </a:bodyPr>
+          <a:lstStyle/>
+          <a:p>
+            <a:pPr algn="ctr"/>
+            <a:r>
+              <a:rPr lang="en-GB" sz="897" dirty="0"/>
+              <a:t>Call verify </a:t>
+            </a:r>
+            <a:r>
+              <a:rPr lang="en-GB" sz="897" dirty="0" err="1"/>
+              <a:t>callback</a:t>
+            </a:r>
+            <a:r>
+              <a:rPr lang="en-GB" sz="897" dirty="0"/>
+              <a:t> function</a:t>
+            </a:r>
+          </a:p>
+        </p:txBody>
+      </p:sp>
+      <p:sp>
+        <p:nvSpPr>
+          <p:cNvPr id="13" name="Flowchart: Alternate Process 12"/>
+          <p:cNvSpPr/>
+          <p:nvPr/>
+        </p:nvSpPr>
+        <p:spPr>
+          <a:xfrm>
+            <a:off x="2884415" y="8669239"/>
+            <a:ext cx="1437232" cy="279831"/>
+          </a:xfrm>
+          <a:prstGeom prst="flowChartAlternateProcess">
+            <a:avLst/>
+          </a:prstGeom>
+        </p:spPr>
+        <p:style>
+          <a:lnRef idx="1">
+            <a:schemeClr val="accent4"/>
+          </a:lnRef>
+          <a:fillRef idx="2">
+            <a:schemeClr val="accent4"/>
+          </a:fillRef>
+          <a:effectRef idx="1">
+            <a:schemeClr val="accent4"/>
+          </a:effectRef>
+          <a:fontRef idx="minor">
+            <a:schemeClr val="dk1"/>
+          </a:fontRef>
+        </p:style>
+        <p:txBody>
+          <a:bodyPr rot="0" spcFirstLastPara="0" vertOverflow="overflow" horzOverflow="overflow" vert="horz" wrap="square" lIns="58446" tIns="29223" rIns="58446" bIns="29223" numCol="1" spcCol="0" rtlCol="0" fromWordArt="0" anchor="ctr" anchorCtr="0" forceAA="0" compatLnSpc="1">
+            <a:prstTxWarp prst="textNoShape">
               <a:avLst/>
-            </a:prstGeom>
-          </p:spPr>
-          <p:style>
-            <a:lnRef idx="1">
-              <a:schemeClr val="accent4"/>
-            </a:lnRef>
-            <a:fillRef idx="2">
-              <a:schemeClr val="accent4"/>
-            </a:fillRef>
-            <a:effectRef idx="1">
-              <a:schemeClr val="accent4"/>
-            </a:effectRef>
-            <a:fontRef idx="minor">
-              <a:schemeClr val="dk1"/>
-            </a:fontRef>
-          </p:style>
-          <p:txBody>
-            <a:bodyPr rot="0" spcFirstLastPara="0" vertOverflow="overflow" horzOverflow="overflow" vert="horz" wrap="square" lIns="58446" tIns="29223" rIns="58446" bIns="29223" numCol="1" spcCol="0" rtlCol="0" fromWordArt="0" anchor="ctr" anchorCtr="0" forceAA="0" compatLnSpc="1">
-              <a:prstTxWarp prst="textNoShape">
-                <a:avLst/>
-              </a:prstTxWarp>
-              <a:noAutofit/>
-            </a:bodyPr>
-            <a:lstStyle/>
-            <a:p>
-              <a:pPr algn="ctr"/>
-              <a:r>
-                <a:rPr lang="en-GB" sz="897" dirty="0"/>
-                <a:t>Load next command </a:t>
-              </a:r>
-              <a:endParaRPr lang="en-GB" sz="897" dirty="0"/>
-            </a:p>
-          </p:txBody>
-        </p:sp>
-        <p:sp>
-          <p:nvSpPr>
-            <p:cNvPr id="14" name="Flowchart: Alternate Process 13"/>
-            <p:cNvSpPr/>
-            <p:nvPr/>
-          </p:nvSpPr>
-          <p:spPr>
-            <a:xfrm>
-              <a:off x="2835495" y="-2241246"/>
-              <a:ext cx="1437232" cy="279831"/>
-            </a:xfrm>
-            <a:prstGeom prst="flowChartAlternateProcess">
+            </a:prstTxWarp>
+            <a:noAutofit/>
+          </a:bodyPr>
+          <a:lstStyle/>
+          <a:p>
+            <a:pPr algn="ctr"/>
+            <a:r>
+              <a:rPr lang="en-GB" sz="897" dirty="0"/>
+              <a:t>Load next command </a:t>
+            </a:r>
+          </a:p>
+        </p:txBody>
+      </p:sp>
+      <p:sp>
+        <p:nvSpPr>
+          <p:cNvPr id="14" name="Flowchart: Alternate Process 13"/>
+          <p:cNvSpPr/>
+          <p:nvPr/>
+        </p:nvSpPr>
+        <p:spPr>
+          <a:xfrm>
+            <a:off x="2884415" y="9698434"/>
+            <a:ext cx="1437232" cy="279831"/>
+          </a:xfrm>
+          <a:prstGeom prst="flowChartAlternateProcess">
+            <a:avLst/>
+          </a:prstGeom>
+        </p:spPr>
+        <p:style>
+          <a:lnRef idx="1">
+            <a:schemeClr val="accent4"/>
+          </a:lnRef>
+          <a:fillRef idx="2">
+            <a:schemeClr val="accent4"/>
+          </a:fillRef>
+          <a:effectRef idx="1">
+            <a:schemeClr val="accent4"/>
+          </a:effectRef>
+          <a:fontRef idx="minor">
+            <a:schemeClr val="dk1"/>
+          </a:fontRef>
+        </p:style>
+        <p:txBody>
+          <a:bodyPr rot="0" spcFirstLastPara="0" vertOverflow="overflow" horzOverflow="overflow" vert="horz" wrap="square" lIns="58446" tIns="29223" rIns="58446" bIns="29223" numCol="1" spcCol="0" rtlCol="0" fromWordArt="0" anchor="ctr" anchorCtr="0" forceAA="0" compatLnSpc="1">
+            <a:prstTxWarp prst="textNoShape">
               <a:avLst/>
-            </a:prstGeom>
-          </p:spPr>
-          <p:style>
-            <a:lnRef idx="1">
-              <a:schemeClr val="accent4"/>
-            </a:lnRef>
-            <a:fillRef idx="2">
-              <a:schemeClr val="accent4"/>
-            </a:fillRef>
-            <a:effectRef idx="1">
-              <a:schemeClr val="accent4"/>
-            </a:effectRef>
-            <a:fontRef idx="minor">
-              <a:schemeClr val="dk1"/>
-            </a:fontRef>
-          </p:style>
-          <p:txBody>
-            <a:bodyPr rot="0" spcFirstLastPara="0" vertOverflow="overflow" horzOverflow="overflow" vert="horz" wrap="square" lIns="58446" tIns="29223" rIns="58446" bIns="29223" numCol="1" spcCol="0" rtlCol="0" fromWordArt="0" anchor="ctr" anchorCtr="0" forceAA="0" compatLnSpc="1">
-              <a:prstTxWarp prst="textNoShape">
-                <a:avLst/>
-              </a:prstTxWarp>
-              <a:noAutofit/>
-            </a:bodyPr>
-            <a:lstStyle/>
-            <a:p>
-              <a:pPr algn="ctr"/>
-              <a:r>
-                <a:rPr lang="en-GB" sz="897" dirty="0"/>
-                <a:t>Return to other scheduled tasks</a:t>
-              </a:r>
-              <a:endParaRPr lang="en-GB" sz="897" dirty="0"/>
-            </a:p>
-          </p:txBody>
-        </p:sp>
-        <p:cxnSp>
-          <p:nvCxnSpPr>
-            <p:cNvPr id="18" name="Elbow Connector 17"/>
-            <p:cNvCxnSpPr>
-              <a:stCxn id="2" idx="2"/>
-              <a:endCxn id="4" idx="0"/>
-            </p:cNvCxnSpPr>
-            <p:nvPr/>
-          </p:nvCxnSpPr>
-          <p:spPr>
-            <a:xfrm rot="16200000" flipH="1">
-              <a:off x="1438976" y="-6797768"/>
-              <a:ext cx="399379" cy="1331"/>
-            </a:xfrm>
-            <a:prstGeom prst="bentConnector3">
-              <a:avLst/>
-            </a:prstGeom>
-            <a:ln>
-              <a:tailEnd type="triangle"/>
-            </a:ln>
-          </p:spPr>
-          <p:style>
-            <a:lnRef idx="1">
-              <a:schemeClr val="accent1"/>
-            </a:lnRef>
-            <a:fillRef idx="0">
-              <a:schemeClr val="accent1"/>
-            </a:fillRef>
-            <a:effectRef idx="0">
-              <a:schemeClr val="accent1"/>
-            </a:effectRef>
-            <a:fontRef idx="minor">
-              <a:schemeClr val="tx1"/>
-            </a:fontRef>
-          </p:style>
-        </p:cxnSp>
-        <p:cxnSp>
-          <p:nvCxnSpPr>
-            <p:cNvPr id="20" name="Elbow Connector 19"/>
-            <p:cNvCxnSpPr>
-              <a:stCxn id="4" idx="2"/>
-              <a:endCxn id="5" idx="0"/>
-            </p:cNvCxnSpPr>
-            <p:nvPr/>
-          </p:nvCxnSpPr>
-          <p:spPr>
-            <a:xfrm rot="5400000">
-              <a:off x="1508928" y="-6204454"/>
-              <a:ext cx="259465" cy="1328"/>
-            </a:xfrm>
-            <a:prstGeom prst="bentConnector3">
-              <a:avLst/>
-            </a:prstGeom>
-            <a:ln>
-              <a:tailEnd type="triangle"/>
-            </a:ln>
-          </p:spPr>
-          <p:style>
-            <a:lnRef idx="1">
-              <a:schemeClr val="accent1"/>
-            </a:lnRef>
-            <a:fillRef idx="0">
-              <a:schemeClr val="accent1"/>
-            </a:fillRef>
-            <a:effectRef idx="0">
-              <a:schemeClr val="accent1"/>
-            </a:effectRef>
-            <a:fontRef idx="minor">
-              <a:schemeClr val="tx1"/>
-            </a:fontRef>
-          </p:style>
-        </p:cxnSp>
-        <p:cxnSp>
-          <p:nvCxnSpPr>
-            <p:cNvPr id="22" name="Elbow Connector 21"/>
-            <p:cNvCxnSpPr>
-              <a:stCxn id="5" idx="2"/>
-              <a:endCxn id="6" idx="0"/>
-            </p:cNvCxnSpPr>
-            <p:nvPr/>
-          </p:nvCxnSpPr>
-          <p:spPr>
-            <a:xfrm rot="5400000">
-              <a:off x="1508266" y="-5448424"/>
-              <a:ext cx="259465" cy="0"/>
-            </a:xfrm>
-            <a:prstGeom prst="bentConnector3">
-              <a:avLst/>
-            </a:prstGeom>
-            <a:ln>
-              <a:tailEnd type="triangle"/>
-            </a:ln>
-          </p:spPr>
-          <p:style>
-            <a:lnRef idx="1">
-              <a:schemeClr val="accent1"/>
-            </a:lnRef>
-            <a:fillRef idx="0">
-              <a:schemeClr val="accent1"/>
-            </a:fillRef>
-            <a:effectRef idx="0">
-              <a:schemeClr val="accent1"/>
-            </a:effectRef>
-            <a:fontRef idx="minor">
-              <a:schemeClr val="tx1"/>
-            </a:fontRef>
-          </p:style>
-        </p:cxnSp>
-        <p:cxnSp>
-          <p:nvCxnSpPr>
-            <p:cNvPr id="24" name="Elbow Connector 23"/>
-            <p:cNvCxnSpPr>
-              <a:stCxn id="6" idx="2"/>
-              <a:endCxn id="8" idx="0"/>
-            </p:cNvCxnSpPr>
-            <p:nvPr/>
-          </p:nvCxnSpPr>
-          <p:spPr>
-            <a:xfrm rot="16200000" flipH="1">
-              <a:off x="1508266" y="-4909131"/>
-              <a:ext cx="259465" cy="0"/>
-            </a:xfrm>
-            <a:prstGeom prst="bentConnector3">
-              <a:avLst/>
-            </a:prstGeom>
-            <a:ln>
-              <a:tailEnd type="triangle"/>
-            </a:ln>
-          </p:spPr>
-          <p:style>
-            <a:lnRef idx="1">
-              <a:schemeClr val="accent1"/>
-            </a:lnRef>
-            <a:fillRef idx="0">
-              <a:schemeClr val="accent1"/>
-            </a:fillRef>
-            <a:effectRef idx="0">
-              <a:schemeClr val="accent1"/>
-            </a:effectRef>
-            <a:fontRef idx="minor">
-              <a:schemeClr val="tx1"/>
-            </a:fontRef>
-          </p:style>
-        </p:cxnSp>
-        <p:cxnSp>
-          <p:nvCxnSpPr>
-            <p:cNvPr id="26" name="Elbow Connector 25"/>
-            <p:cNvCxnSpPr>
-              <a:stCxn id="8" idx="2"/>
-              <a:endCxn id="10" idx="0"/>
-            </p:cNvCxnSpPr>
-            <p:nvPr/>
-          </p:nvCxnSpPr>
-          <p:spPr>
-            <a:xfrm rot="5400000">
-              <a:off x="1508266" y="-4079381"/>
-              <a:ext cx="259465" cy="0"/>
-            </a:xfrm>
-            <a:prstGeom prst="bentConnector3">
-              <a:avLst/>
-            </a:prstGeom>
-            <a:ln>
-              <a:tailEnd type="triangle"/>
-            </a:ln>
-          </p:spPr>
-          <p:style>
-            <a:lnRef idx="1">
-              <a:schemeClr val="accent1"/>
-            </a:lnRef>
-            <a:fillRef idx="0">
-              <a:schemeClr val="accent1"/>
-            </a:fillRef>
-            <a:effectRef idx="0">
-              <a:schemeClr val="accent1"/>
-            </a:effectRef>
-            <a:fontRef idx="minor">
-              <a:schemeClr val="tx1"/>
-            </a:fontRef>
-          </p:style>
-        </p:cxnSp>
-        <p:cxnSp>
-          <p:nvCxnSpPr>
-            <p:cNvPr id="34" name="Elbow Connector 33"/>
-            <p:cNvCxnSpPr>
-              <a:stCxn id="10" idx="2"/>
-              <a:endCxn id="11" idx="0"/>
-            </p:cNvCxnSpPr>
-            <p:nvPr/>
-          </p:nvCxnSpPr>
-          <p:spPr>
-            <a:xfrm rot="16200000" flipH="1">
-              <a:off x="1508266" y="-3540088"/>
-              <a:ext cx="259465" cy="0"/>
-            </a:xfrm>
-            <a:prstGeom prst="bentConnector3">
-              <a:avLst/>
-            </a:prstGeom>
-            <a:ln>
-              <a:tailEnd type="triangle"/>
-            </a:ln>
-          </p:spPr>
-          <p:style>
-            <a:lnRef idx="1">
-              <a:schemeClr val="accent1"/>
-            </a:lnRef>
-            <a:fillRef idx="0">
-              <a:schemeClr val="accent1"/>
-            </a:fillRef>
-            <a:effectRef idx="0">
-              <a:schemeClr val="accent1"/>
-            </a:effectRef>
-            <a:fontRef idx="minor">
-              <a:schemeClr val="tx1"/>
-            </a:fontRef>
-          </p:style>
-        </p:cxnSp>
-        <p:cxnSp>
-          <p:nvCxnSpPr>
-            <p:cNvPr id="36" name="Elbow Connector 35"/>
-            <p:cNvCxnSpPr>
-              <a:stCxn id="11" idx="2"/>
-              <a:endCxn id="12" idx="0"/>
-            </p:cNvCxnSpPr>
-            <p:nvPr/>
-          </p:nvCxnSpPr>
-          <p:spPr>
-            <a:xfrm rot="5400000">
-              <a:off x="1338587" y="-2540661"/>
-              <a:ext cx="598823" cy="3"/>
-            </a:xfrm>
-            <a:prstGeom prst="bentConnector3">
-              <a:avLst/>
-            </a:prstGeom>
-            <a:ln>
-              <a:tailEnd type="triangle"/>
-            </a:ln>
-          </p:spPr>
-          <p:style>
-            <a:lnRef idx="1">
-              <a:schemeClr val="accent1"/>
-            </a:lnRef>
-            <a:fillRef idx="0">
-              <a:schemeClr val="accent1"/>
-            </a:fillRef>
-            <a:effectRef idx="0">
-              <a:schemeClr val="accent1"/>
-            </a:effectRef>
-            <a:fontRef idx="minor">
-              <a:schemeClr val="tx1"/>
-            </a:fontRef>
-          </p:style>
-        </p:cxnSp>
-        <p:cxnSp>
-          <p:nvCxnSpPr>
-            <p:cNvPr id="51" name="Straight Arrow Connector 50"/>
-            <p:cNvCxnSpPr>
-              <a:stCxn id="8" idx="3"/>
-              <a:endCxn id="9" idx="1"/>
-            </p:cNvCxnSpPr>
-            <p:nvPr/>
-          </p:nvCxnSpPr>
-          <p:spPr>
-            <a:xfrm>
-              <a:off x="2383183" y="-4494256"/>
-              <a:ext cx="452312" cy="0"/>
-            </a:xfrm>
-            <a:prstGeom prst="straightConnector1">
-              <a:avLst/>
-            </a:prstGeom>
-            <a:ln>
-              <a:tailEnd type="triangle"/>
-            </a:ln>
-          </p:spPr>
-          <p:style>
-            <a:lnRef idx="1">
-              <a:schemeClr val="accent1"/>
-            </a:lnRef>
-            <a:fillRef idx="0">
-              <a:schemeClr val="accent1"/>
-            </a:fillRef>
-            <a:effectRef idx="0">
-              <a:schemeClr val="accent1"/>
-            </a:effectRef>
-            <a:fontRef idx="minor">
-              <a:schemeClr val="tx1"/>
-            </a:fontRef>
-          </p:style>
-        </p:cxnSp>
-        <p:cxnSp>
-          <p:nvCxnSpPr>
-            <p:cNvPr id="57" name="Straight Arrow Connector 56"/>
-            <p:cNvCxnSpPr>
-              <a:stCxn id="11" idx="3"/>
-              <a:endCxn id="13" idx="1"/>
-            </p:cNvCxnSpPr>
-            <p:nvPr/>
-          </p:nvCxnSpPr>
-          <p:spPr>
-            <a:xfrm flipV="1">
-              <a:off x="2383183" y="-3130524"/>
-              <a:ext cx="452312" cy="5311"/>
-            </a:xfrm>
-            <a:prstGeom prst="straightConnector1">
-              <a:avLst/>
-            </a:prstGeom>
-            <a:ln>
-              <a:tailEnd type="triangle"/>
-            </a:ln>
-          </p:spPr>
-          <p:style>
-            <a:lnRef idx="1">
-              <a:schemeClr val="accent1"/>
-            </a:lnRef>
-            <a:fillRef idx="0">
-              <a:schemeClr val="accent1"/>
-            </a:fillRef>
-            <a:effectRef idx="0">
-              <a:schemeClr val="accent1"/>
-            </a:effectRef>
-            <a:fontRef idx="minor">
-              <a:schemeClr val="tx1"/>
-            </a:fontRef>
-          </p:style>
-        </p:cxnSp>
-        <p:cxnSp>
-          <p:nvCxnSpPr>
-            <p:cNvPr id="63" name="Elbow Connector 62"/>
-            <p:cNvCxnSpPr>
-              <a:stCxn id="12" idx="3"/>
-              <a:endCxn id="14" idx="1"/>
-            </p:cNvCxnSpPr>
-            <p:nvPr/>
-          </p:nvCxnSpPr>
-          <p:spPr>
-            <a:xfrm flipV="1">
-              <a:off x="2356611" y="-2101333"/>
-              <a:ext cx="478882" cy="0"/>
-            </a:xfrm>
-            <a:prstGeom prst="bentConnector3">
-              <a:avLst/>
-            </a:prstGeom>
-            <a:ln>
-              <a:tailEnd type="triangle"/>
-            </a:ln>
-          </p:spPr>
-          <p:style>
-            <a:lnRef idx="1">
-              <a:schemeClr val="accent1"/>
-            </a:lnRef>
-            <a:fillRef idx="0">
-              <a:schemeClr val="accent1"/>
-            </a:fillRef>
-            <a:effectRef idx="0">
-              <a:schemeClr val="accent1"/>
-            </a:effectRef>
-            <a:fontRef idx="minor">
-              <a:schemeClr val="tx1"/>
-            </a:fontRef>
-          </p:style>
-        </p:cxnSp>
-        <p:cxnSp>
-          <p:nvCxnSpPr>
-            <p:cNvPr id="65" name="Straight Arrow Connector 64"/>
-            <p:cNvCxnSpPr>
-              <a:stCxn id="13" idx="2"/>
-              <a:endCxn id="14" idx="0"/>
-            </p:cNvCxnSpPr>
-            <p:nvPr/>
-          </p:nvCxnSpPr>
-          <p:spPr>
-            <a:xfrm>
-              <a:off x="3554105" y="-2990609"/>
-              <a:ext cx="0" cy="749360"/>
-            </a:xfrm>
-            <a:prstGeom prst="straightConnector1">
-              <a:avLst/>
-            </a:prstGeom>
-            <a:ln>
-              <a:tailEnd type="triangle"/>
-            </a:ln>
-          </p:spPr>
-          <p:style>
-            <a:lnRef idx="1">
-              <a:schemeClr val="accent1"/>
-            </a:lnRef>
-            <a:fillRef idx="0">
-              <a:schemeClr val="accent1"/>
-            </a:fillRef>
-            <a:effectRef idx="0">
-              <a:schemeClr val="accent1"/>
-            </a:effectRef>
-            <a:fontRef idx="minor">
-              <a:schemeClr val="tx1"/>
-            </a:fontRef>
-          </p:style>
-        </p:cxnSp>
-      </p:grpSp>
+            </a:prstTxWarp>
+            <a:noAutofit/>
+          </a:bodyPr>
+          <a:lstStyle/>
+          <a:p>
+            <a:pPr algn="ctr"/>
+            <a:r>
+              <a:rPr lang="en-GB" sz="897" dirty="0"/>
+              <a:t>Return to other scheduled tasks</a:t>
+            </a:r>
+          </a:p>
+        </p:txBody>
+      </p:sp>
+      <p:cxnSp>
+        <p:nvCxnSpPr>
+          <p:cNvPr id="34" name="Elbow Connector 33"/>
+          <p:cNvCxnSpPr>
+            <a:stCxn id="10" idx="2"/>
+            <a:endCxn id="11" idx="0"/>
+          </p:cNvCxnSpPr>
+          <p:nvPr/>
+        </p:nvCxnSpPr>
+        <p:spPr>
+          <a:xfrm rot="5400000">
+            <a:off x="1503132" y="8257882"/>
+            <a:ext cx="455230" cy="87654"/>
+          </a:xfrm>
+          <a:prstGeom prst="bentConnector3">
+            <a:avLst/>
+          </a:prstGeom>
+          <a:ln>
+            <a:tailEnd type="triangle"/>
+          </a:ln>
+        </p:spPr>
+        <p:style>
+          <a:lnRef idx="1">
+            <a:schemeClr val="accent1"/>
+          </a:lnRef>
+          <a:fillRef idx="0">
+            <a:schemeClr val="accent1"/>
+          </a:fillRef>
+          <a:effectRef idx="0">
+            <a:schemeClr val="accent1"/>
+          </a:effectRef>
+          <a:fontRef idx="minor">
+            <a:schemeClr val="tx1"/>
+          </a:fontRef>
+        </p:style>
+      </p:cxnSp>
+      <p:cxnSp>
+        <p:nvCxnSpPr>
+          <p:cNvPr id="36" name="Elbow Connector 35"/>
+          <p:cNvCxnSpPr>
+            <a:stCxn id="11" idx="2"/>
+            <a:endCxn id="12" idx="0"/>
+          </p:cNvCxnSpPr>
+          <p:nvPr/>
+        </p:nvCxnSpPr>
+        <p:spPr>
+          <a:xfrm rot="5400000">
+            <a:off x="1387508" y="9399019"/>
+            <a:ext cx="598823" cy="3"/>
+          </a:xfrm>
+          <a:prstGeom prst="bentConnector3">
+            <a:avLst/>
+          </a:prstGeom>
+          <a:ln>
+            <a:tailEnd type="triangle"/>
+          </a:ln>
+        </p:spPr>
+        <p:style>
+          <a:lnRef idx="1">
+            <a:schemeClr val="accent1"/>
+          </a:lnRef>
+          <a:fillRef idx="0">
+            <a:schemeClr val="accent1"/>
+          </a:fillRef>
+          <a:effectRef idx="0">
+            <a:schemeClr val="accent1"/>
+          </a:effectRef>
+          <a:fontRef idx="minor">
+            <a:schemeClr val="tx1"/>
+          </a:fontRef>
+        </p:style>
+      </p:cxnSp>
+      <p:cxnSp>
+        <p:nvCxnSpPr>
+          <p:cNvPr id="57" name="Straight Arrow Connector 56"/>
+          <p:cNvCxnSpPr>
+            <a:stCxn id="11" idx="3"/>
+            <a:endCxn id="13" idx="1"/>
+          </p:cNvCxnSpPr>
+          <p:nvPr/>
+        </p:nvCxnSpPr>
+        <p:spPr>
+          <a:xfrm flipV="1">
+            <a:off x="2432102" y="8809156"/>
+            <a:ext cx="452312" cy="5311"/>
+          </a:xfrm>
+          <a:prstGeom prst="straightConnector1">
+            <a:avLst/>
+          </a:prstGeom>
+          <a:ln>
+            <a:tailEnd type="triangle"/>
+          </a:ln>
+        </p:spPr>
+        <p:style>
+          <a:lnRef idx="1">
+            <a:schemeClr val="accent1"/>
+          </a:lnRef>
+          <a:fillRef idx="0">
+            <a:schemeClr val="accent1"/>
+          </a:fillRef>
+          <a:effectRef idx="0">
+            <a:schemeClr val="accent1"/>
+          </a:effectRef>
+          <a:fontRef idx="minor">
+            <a:schemeClr val="tx1"/>
+          </a:fontRef>
+        </p:style>
+      </p:cxnSp>
+      <p:cxnSp>
+        <p:nvCxnSpPr>
+          <p:cNvPr id="63" name="Elbow Connector 62"/>
+          <p:cNvCxnSpPr>
+            <a:stCxn id="12" idx="3"/>
+            <a:endCxn id="14" idx="1"/>
+          </p:cNvCxnSpPr>
+          <p:nvPr/>
+        </p:nvCxnSpPr>
+        <p:spPr>
+          <a:xfrm flipV="1">
+            <a:off x="2405530" y="9838345"/>
+            <a:ext cx="478882" cy="0"/>
+          </a:xfrm>
+          <a:prstGeom prst="bentConnector3">
+            <a:avLst/>
+          </a:prstGeom>
+          <a:ln>
+            <a:tailEnd type="triangle"/>
+          </a:ln>
+        </p:spPr>
+        <p:style>
+          <a:lnRef idx="1">
+            <a:schemeClr val="accent1"/>
+          </a:lnRef>
+          <a:fillRef idx="0">
+            <a:schemeClr val="accent1"/>
+          </a:fillRef>
+          <a:effectRef idx="0">
+            <a:schemeClr val="accent1"/>
+          </a:effectRef>
+          <a:fontRef idx="minor">
+            <a:schemeClr val="tx1"/>
+          </a:fontRef>
+        </p:style>
+      </p:cxnSp>
+      <p:cxnSp>
+        <p:nvCxnSpPr>
+          <p:cNvPr id="65" name="Straight Arrow Connector 64"/>
+          <p:cNvCxnSpPr>
+            <a:stCxn id="13" idx="2"/>
+            <a:endCxn id="14" idx="0"/>
+          </p:cNvCxnSpPr>
+          <p:nvPr/>
+        </p:nvCxnSpPr>
+        <p:spPr>
+          <a:xfrm>
+            <a:off x="3603024" y="8949069"/>
+            <a:ext cx="0" cy="749360"/>
+          </a:xfrm>
+          <a:prstGeom prst="straightConnector1">
+            <a:avLst/>
+          </a:prstGeom>
+          <a:ln>
+            <a:tailEnd type="triangle"/>
+          </a:ln>
+        </p:spPr>
+        <p:style>
+          <a:lnRef idx="1">
+            <a:schemeClr val="accent1"/>
+          </a:lnRef>
+          <a:fillRef idx="0">
+            <a:schemeClr val="accent1"/>
+          </a:fillRef>
+          <a:effectRef idx="0">
+            <a:schemeClr val="accent1"/>
+          </a:effectRef>
+          <a:fontRef idx="minor">
+            <a:schemeClr val="tx1"/>
+          </a:fontRef>
+        </p:style>
+      </p:cxnSp>
     </p:spTree>
     <p:extLst>
       <p:ext uri="{BB962C8B-B14F-4D97-AF65-F5344CB8AC3E}">
         <p14:creationId xmlns:p14="http://schemas.microsoft.com/office/powerpoint/2010/main" val="3020287263"/>
+      </p:ext>
+    </p:extLst>
+  </p:cSld>
+  <p:clrMapOvr>
+    <a:masterClrMapping/>
+  </p:clrMapOvr>
+</p:sld>
+</file>
+
+<file path=ppt/slides/slide2.xml><?xml version="1.0" encoding="utf-8"?>
+<p:sld xmlns:a="http://schemas.openxmlformats.org/drawingml/2006/main" xmlns:r="http://schemas.openxmlformats.org/officeDocument/2006/relationships" xmlns:p="http://schemas.openxmlformats.org/presentationml/2006/main">
+  <p:cSld>
+    <p:spTree>
+      <p:nvGrpSpPr>
+        <p:cNvPr id="1" name=""/>
+        <p:cNvGrpSpPr/>
+        <p:nvPr/>
+      </p:nvGrpSpPr>
+      <p:grpSpPr>
+        <a:xfrm>
+          <a:off x="0" y="0"/>
+          <a:ext cx="0" cy="0"/>
+          <a:chOff x="0" y="0"/>
+          <a:chExt cx="0" cy="0"/>
+        </a:xfrm>
+      </p:grpSpPr>
+      <p:sp>
+        <p:nvSpPr>
+          <p:cNvPr id="2" name="Flowchart: Alternate Process 1"/>
+          <p:cNvSpPr/>
+          <p:nvPr/>
+        </p:nvSpPr>
+        <p:spPr>
+          <a:xfrm>
+            <a:off x="826272" y="2501400"/>
+            <a:ext cx="1545981" cy="263890"/>
+          </a:xfrm>
+          <a:prstGeom prst="flowChartAlternateProcess">
+            <a:avLst/>
+          </a:prstGeom>
+        </p:spPr>
+        <p:style>
+          <a:lnRef idx="1">
+            <a:schemeClr val="accent4"/>
+          </a:lnRef>
+          <a:fillRef idx="2">
+            <a:schemeClr val="accent4"/>
+          </a:fillRef>
+          <a:effectRef idx="1">
+            <a:schemeClr val="accent4"/>
+          </a:effectRef>
+          <a:fontRef idx="minor">
+            <a:schemeClr val="dk1"/>
+          </a:fontRef>
+        </p:style>
+        <p:txBody>
+          <a:bodyPr rot="0" spcFirstLastPara="0" vertOverflow="overflow" horzOverflow="overflow" vert="horz" wrap="square" lIns="58446" tIns="29223" rIns="58446" bIns="29223" numCol="1" spcCol="0" rtlCol="0" fromWordArt="0" anchor="ctr" anchorCtr="0" forceAA="0" compatLnSpc="1">
+            <a:prstTxWarp prst="textNoShape">
+              <a:avLst/>
+            </a:prstTxWarp>
+            <a:noAutofit/>
+          </a:bodyPr>
+          <a:lstStyle/>
+          <a:p>
+            <a:pPr algn="ctr"/>
+            <a:r>
+              <a:rPr lang="en-GB" sz="897" dirty="0"/>
+              <a:t>Plane</a:t>
+            </a:r>
+            <a:r>
+              <a:rPr lang="en-GB" sz="897" dirty="0"/>
+              <a:t>::</a:t>
+            </a:r>
+            <a:r>
+              <a:rPr lang="en-GB" sz="897" dirty="0" err="1"/>
+              <a:t>update_flight_mode</a:t>
+            </a:r>
+            <a:r>
+              <a:rPr lang="en-GB" sz="897" dirty="0"/>
+              <a:t>()</a:t>
+            </a:r>
+            <a:r>
+              <a:rPr lang="en-GB" sz="897" dirty="0"/>
+              <a:t/>
+            </a:r>
+            <a:br>
+              <a:rPr lang="en-GB" sz="897" dirty="0"/>
+            </a:br>
+            <a:r>
+              <a:rPr lang="en-GB" sz="640" dirty="0"/>
+              <a:t>Scheduled </a:t>
+            </a:r>
+            <a:r>
+              <a:rPr lang="en-GB" sz="640" dirty="0"/>
+              <a:t>Task</a:t>
+            </a:r>
+            <a:endParaRPr lang="en-GB" sz="897" dirty="0"/>
+          </a:p>
+        </p:txBody>
+      </p:sp>
+      <p:sp>
+        <p:nvSpPr>
+          <p:cNvPr id="4" name="Flowchart: Decision 3"/>
+          <p:cNvSpPr/>
+          <p:nvPr/>
+        </p:nvSpPr>
+        <p:spPr>
+          <a:xfrm>
+            <a:off x="854085" y="3134726"/>
+            <a:ext cx="1490363" cy="495902"/>
+          </a:xfrm>
+          <a:prstGeom prst="flowChartDecision">
+            <a:avLst/>
+          </a:prstGeom>
+        </p:spPr>
+        <p:style>
+          <a:lnRef idx="1">
+            <a:schemeClr val="accent4"/>
+          </a:lnRef>
+          <a:fillRef idx="2">
+            <a:schemeClr val="accent4"/>
+          </a:fillRef>
+          <a:effectRef idx="1">
+            <a:schemeClr val="accent4"/>
+          </a:effectRef>
+          <a:fontRef idx="minor">
+            <a:schemeClr val="dk1"/>
+          </a:fontRef>
+        </p:style>
+        <p:txBody>
+          <a:bodyPr rot="0" spcFirstLastPara="0" vertOverflow="overflow" horzOverflow="overflow" vert="horz" wrap="square" lIns="58446" tIns="29223" rIns="58446" bIns="29223" numCol="1" spcCol="0" rtlCol="0" fromWordArt="0" anchor="ctr" anchorCtr="0" forceAA="0" compatLnSpc="1">
+            <a:prstTxWarp prst="textNoShape">
+              <a:avLst/>
+            </a:prstTxWarp>
+            <a:noAutofit/>
+          </a:bodyPr>
+          <a:lstStyle/>
+          <a:p>
+            <a:pPr algn="ctr"/>
+            <a:r>
+              <a:rPr lang="en-GB" sz="897" dirty="0"/>
+              <a:t>Are we in AUTO mode?</a:t>
+            </a:r>
+          </a:p>
+        </p:txBody>
+      </p:sp>
+      <p:sp>
+        <p:nvSpPr>
+          <p:cNvPr id="5" name="Flowchart: Alternate Process 4"/>
+          <p:cNvSpPr/>
+          <p:nvPr/>
+        </p:nvSpPr>
+        <p:spPr>
+          <a:xfrm>
+            <a:off x="854084" y="3996026"/>
+            <a:ext cx="1491610" cy="279831"/>
+          </a:xfrm>
+          <a:prstGeom prst="flowChartAlternateProcess">
+            <a:avLst/>
+          </a:prstGeom>
+        </p:spPr>
+        <p:style>
+          <a:lnRef idx="1">
+            <a:schemeClr val="accent4"/>
+          </a:lnRef>
+          <a:fillRef idx="2">
+            <a:schemeClr val="accent4"/>
+          </a:fillRef>
+          <a:effectRef idx="1">
+            <a:schemeClr val="accent4"/>
+          </a:effectRef>
+          <a:fontRef idx="minor">
+            <a:schemeClr val="dk1"/>
+          </a:fontRef>
+        </p:style>
+        <p:txBody>
+          <a:bodyPr rot="0" spcFirstLastPara="0" vertOverflow="overflow" horzOverflow="overflow" vert="horz" wrap="square" lIns="58446" tIns="29223" rIns="58446" bIns="29223" numCol="1" spcCol="0" rtlCol="0" fromWordArt="0" anchor="ctr" anchorCtr="0" forceAA="0" compatLnSpc="1">
+            <a:prstTxWarp prst="textNoShape">
+              <a:avLst/>
+            </a:prstTxWarp>
+            <a:noAutofit/>
+          </a:bodyPr>
+          <a:lstStyle/>
+          <a:p>
+            <a:pPr algn="ctr"/>
+            <a:r>
+              <a:rPr lang="en-GB" sz="897" dirty="0"/>
+              <a:t>Plane</a:t>
+            </a:r>
+            <a:r>
+              <a:rPr lang="en-GB" sz="897" dirty="0"/>
+              <a:t>::</a:t>
+            </a:r>
+            <a:r>
+              <a:rPr lang="en-GB" sz="897" dirty="0" err="1"/>
+              <a:t>handle_auto_mode</a:t>
+            </a:r>
+            <a:r>
+              <a:rPr lang="en-GB" sz="897" dirty="0"/>
+              <a:t>()</a:t>
+            </a:r>
+            <a:endParaRPr lang="en-GB" sz="897" dirty="0"/>
+          </a:p>
+        </p:txBody>
+      </p:sp>
+      <p:cxnSp>
+        <p:nvCxnSpPr>
+          <p:cNvPr id="15" name="Elbow Connector 14"/>
+          <p:cNvCxnSpPr>
+            <a:stCxn id="4" idx="2"/>
+            <a:endCxn id="5" idx="0"/>
+          </p:cNvCxnSpPr>
+          <p:nvPr/>
+        </p:nvCxnSpPr>
+        <p:spPr>
+          <a:xfrm rot="16200000" flipH="1">
+            <a:off x="1416881" y="3813015"/>
+            <a:ext cx="365397" cy="623"/>
+          </a:xfrm>
+          <a:prstGeom prst="bentConnector3">
+            <a:avLst/>
+          </a:prstGeom>
+          <a:ln>
+            <a:tailEnd type="triangle"/>
+          </a:ln>
+        </p:spPr>
+        <p:style>
+          <a:lnRef idx="1">
+            <a:schemeClr val="accent1"/>
+          </a:lnRef>
+          <a:fillRef idx="0">
+            <a:schemeClr val="accent1"/>
+          </a:fillRef>
+          <a:effectRef idx="0">
+            <a:schemeClr val="accent1"/>
+          </a:effectRef>
+          <a:fontRef idx="minor">
+            <a:schemeClr val="tx1"/>
+          </a:fontRef>
+        </p:style>
+      </p:cxnSp>
+      <p:sp>
+        <p:nvSpPr>
+          <p:cNvPr id="33" name="Flowchart: Alternate Process 32"/>
+          <p:cNvSpPr/>
+          <p:nvPr/>
+        </p:nvSpPr>
+        <p:spPr>
+          <a:xfrm>
+            <a:off x="852837" y="4641253"/>
+            <a:ext cx="1491610" cy="1137064"/>
+          </a:xfrm>
+          <a:prstGeom prst="flowChartAlternateProcess">
+            <a:avLst/>
+          </a:prstGeom>
+        </p:spPr>
+        <p:style>
+          <a:lnRef idx="1">
+            <a:schemeClr val="accent4"/>
+          </a:lnRef>
+          <a:fillRef idx="2">
+            <a:schemeClr val="accent4"/>
+          </a:fillRef>
+          <a:effectRef idx="1">
+            <a:schemeClr val="accent4"/>
+          </a:effectRef>
+          <a:fontRef idx="minor">
+            <a:schemeClr val="dk1"/>
+          </a:fontRef>
+        </p:style>
+        <p:txBody>
+          <a:bodyPr rot="0" spcFirstLastPara="0" vertOverflow="overflow" horzOverflow="overflow" vert="horz" wrap="square" lIns="58446" tIns="29223" rIns="58446" bIns="29223" numCol="1" spcCol="0" rtlCol="0" fromWordArt="0" anchor="ctr" anchorCtr="0" forceAA="0" compatLnSpc="1">
+            <a:prstTxWarp prst="textNoShape">
+              <a:avLst/>
+            </a:prstTxWarp>
+            <a:noAutofit/>
+          </a:bodyPr>
+          <a:lstStyle/>
+          <a:p>
+            <a:pPr algn="ctr"/>
+            <a:r>
+              <a:rPr lang="en-GB" sz="897" dirty="0"/>
+              <a:t>Set roll, pitch, and throttle, based on which type of command is being executed</a:t>
+            </a:r>
+            <a:endParaRPr lang="en-GB" sz="897" dirty="0"/>
+          </a:p>
+        </p:txBody>
+      </p:sp>
+      <p:sp>
+        <p:nvSpPr>
+          <p:cNvPr id="34" name="Flowchart: Alternate Process 33"/>
+          <p:cNvSpPr/>
+          <p:nvPr/>
+        </p:nvSpPr>
+        <p:spPr>
+          <a:xfrm>
+            <a:off x="880645" y="6151820"/>
+            <a:ext cx="1437232" cy="279831"/>
+          </a:xfrm>
+          <a:prstGeom prst="flowChartAlternateProcess">
+            <a:avLst/>
+          </a:prstGeom>
+        </p:spPr>
+        <p:style>
+          <a:lnRef idx="1">
+            <a:schemeClr val="accent4"/>
+          </a:lnRef>
+          <a:fillRef idx="2">
+            <a:schemeClr val="accent4"/>
+          </a:fillRef>
+          <a:effectRef idx="1">
+            <a:schemeClr val="accent4"/>
+          </a:effectRef>
+          <a:fontRef idx="minor">
+            <a:schemeClr val="dk1"/>
+          </a:fontRef>
+        </p:style>
+        <p:txBody>
+          <a:bodyPr rot="0" spcFirstLastPara="0" vertOverflow="overflow" horzOverflow="overflow" vert="horz" wrap="square" lIns="58446" tIns="29223" rIns="58446" bIns="29223" numCol="1" spcCol="0" rtlCol="0" fromWordArt="0" anchor="ctr" anchorCtr="0" forceAA="0" compatLnSpc="1">
+            <a:prstTxWarp prst="textNoShape">
+              <a:avLst/>
+            </a:prstTxWarp>
+            <a:noAutofit/>
+          </a:bodyPr>
+          <a:lstStyle/>
+          <a:p>
+            <a:pPr algn="ctr"/>
+            <a:r>
+              <a:rPr lang="en-GB" sz="897" dirty="0"/>
+              <a:t>Return to other scheduled tasks</a:t>
+            </a:r>
+          </a:p>
+        </p:txBody>
+      </p:sp>
+      <p:cxnSp>
+        <p:nvCxnSpPr>
+          <p:cNvPr id="36" name="Elbow Connector 35"/>
+          <p:cNvCxnSpPr>
+            <a:stCxn id="2" idx="2"/>
+            <a:endCxn id="4" idx="0"/>
+          </p:cNvCxnSpPr>
+          <p:nvPr/>
+        </p:nvCxnSpPr>
+        <p:spPr>
+          <a:xfrm rot="16200000" flipH="1">
+            <a:off x="1414546" y="2950006"/>
+            <a:ext cx="369436" cy="4"/>
+          </a:xfrm>
+          <a:prstGeom prst="bentConnector3">
+            <a:avLst/>
+          </a:prstGeom>
+          <a:ln>
+            <a:tailEnd type="triangle"/>
+          </a:ln>
+        </p:spPr>
+        <p:style>
+          <a:lnRef idx="1">
+            <a:schemeClr val="accent1"/>
+          </a:lnRef>
+          <a:fillRef idx="0">
+            <a:schemeClr val="accent1"/>
+          </a:fillRef>
+          <a:effectRef idx="0">
+            <a:schemeClr val="accent1"/>
+          </a:effectRef>
+          <a:fontRef idx="minor">
+            <a:schemeClr val="tx1"/>
+          </a:fontRef>
+        </p:style>
+      </p:cxnSp>
+      <p:cxnSp>
+        <p:nvCxnSpPr>
+          <p:cNvPr id="38" name="Elbow Connector 37"/>
+          <p:cNvCxnSpPr>
+            <a:stCxn id="5" idx="2"/>
+            <a:endCxn id="33" idx="0"/>
+          </p:cNvCxnSpPr>
+          <p:nvPr/>
+        </p:nvCxnSpPr>
+        <p:spPr>
+          <a:xfrm rot="5400000">
+            <a:off x="1416570" y="4457932"/>
+            <a:ext cx="365397" cy="1247"/>
+          </a:xfrm>
+          <a:prstGeom prst="bentConnector3">
+            <a:avLst/>
+          </a:prstGeom>
+          <a:ln>
+            <a:tailEnd type="triangle"/>
+          </a:ln>
+        </p:spPr>
+        <p:style>
+          <a:lnRef idx="1">
+            <a:schemeClr val="accent1"/>
+          </a:lnRef>
+          <a:fillRef idx="0">
+            <a:schemeClr val="accent1"/>
+          </a:fillRef>
+          <a:effectRef idx="0">
+            <a:schemeClr val="accent1"/>
+          </a:effectRef>
+          <a:fontRef idx="minor">
+            <a:schemeClr val="tx1"/>
+          </a:fontRef>
+        </p:style>
+      </p:cxnSp>
+      <p:cxnSp>
+        <p:nvCxnSpPr>
+          <p:cNvPr id="40" name="Elbow Connector 39"/>
+          <p:cNvCxnSpPr>
+            <a:stCxn id="33" idx="2"/>
+            <a:endCxn id="34" idx="0"/>
+          </p:cNvCxnSpPr>
+          <p:nvPr/>
+        </p:nvCxnSpPr>
+        <p:spPr>
+          <a:xfrm rot="16200000" flipH="1">
+            <a:off x="1412200" y="5964759"/>
+            <a:ext cx="373502" cy="619"/>
+          </a:xfrm>
+          <a:prstGeom prst="bentConnector3">
+            <a:avLst/>
+          </a:prstGeom>
+          <a:ln>
+            <a:tailEnd type="triangle"/>
+          </a:ln>
+        </p:spPr>
+        <p:style>
+          <a:lnRef idx="1">
+            <a:schemeClr val="accent1"/>
+          </a:lnRef>
+          <a:fillRef idx="0">
+            <a:schemeClr val="accent1"/>
+          </a:fillRef>
+          <a:effectRef idx="0">
+            <a:schemeClr val="accent1"/>
+          </a:effectRef>
+          <a:fontRef idx="minor">
+            <a:schemeClr val="tx1"/>
+          </a:fontRef>
+        </p:style>
+      </p:cxnSp>
+    </p:spTree>
+    <p:extLst>
+      <p:ext uri="{BB962C8B-B14F-4D97-AF65-F5344CB8AC3E}">
+        <p14:creationId xmlns:p14="http://schemas.microsoft.com/office/powerpoint/2010/main" val="770939491"/>
       </p:ext>
     </p:extLst>
   </p:cSld>
